--- a/KC_PFF Analysis.pptx
+++ b/KC_PFF Analysis.pptx
@@ -5,30 +5,31 @@
     <p:sldMasterId id="2147483648" r:id="rId1"/>
   </p:sldMasterIdLst>
   <p:notesMasterIdLst>
-    <p:notesMasterId r:id="rId18"/>
+    <p:notesMasterId r:id="rId19"/>
   </p:notesMasterIdLst>
   <p:sldIdLst>
     <p:sldId id="256" r:id="rId2"/>
     <p:sldId id="288" r:id="rId3"/>
     <p:sldId id="279" r:id="rId4"/>
     <p:sldId id="280" r:id="rId5"/>
-    <p:sldId id="281" r:id="rId6"/>
-    <p:sldId id="290" r:id="rId7"/>
-    <p:sldId id="282" r:id="rId8"/>
-    <p:sldId id="291" r:id="rId9"/>
-    <p:sldId id="292" r:id="rId10"/>
-    <p:sldId id="294" r:id="rId11"/>
-    <p:sldId id="293" r:id="rId12"/>
-    <p:sldId id="283" r:id="rId13"/>
-    <p:sldId id="286" r:id="rId14"/>
-    <p:sldId id="284" r:id="rId15"/>
+    <p:sldId id="295" r:id="rId6"/>
+    <p:sldId id="281" r:id="rId7"/>
+    <p:sldId id="290" r:id="rId8"/>
+    <p:sldId id="296" r:id="rId9"/>
+    <p:sldId id="284" r:id="rId10"/>
+    <p:sldId id="282" r:id="rId11"/>
+    <p:sldId id="292" r:id="rId12"/>
+    <p:sldId id="294" r:id="rId13"/>
+    <p:sldId id="293" r:id="rId14"/>
+    <p:sldId id="283" r:id="rId15"/>
     <p:sldId id="285" r:id="rId16"/>
     <p:sldId id="287" r:id="rId17"/>
+    <p:sldId id="286" r:id="rId18"/>
   </p:sldIdLst>
   <p:sldSz cx="12192000" cy="6858000"/>
   <p:notesSz cx="6858000" cy="9144000"/>
   <p:custDataLst>
-    <p:tags r:id="rId19"/>
+    <p:tags r:id="rId20"/>
   </p:custDataLst>
   <p:defaultTextStyle>
     <a:defPPr>
@@ -614,7 +615,7 @@
           <a:graphicData uri="http://schemas.openxmlformats.org/presentationml/2006/ole">
             <mc:AlternateContent xmlns:mc="http://schemas.openxmlformats.org/markup-compatibility/2006">
               <mc:Choice xmlns:v="urn:schemas-microsoft-com:vml" Requires="v">
-                <p:oleObj spid="_x0000_s8258" name="think-cell Slide" r:id="rId5" imgW="425" imgH="426" progId="TCLayout.ActiveDocument.1">
+                <p:oleObj spid="_x0000_s8260" name="think-cell Slide" r:id="rId5" imgW="425" imgH="426" progId="TCLayout.ActiveDocument.1">
                   <p:embed/>
                 </p:oleObj>
               </mc:Choice>
@@ -957,7 +958,7 @@
           <a:graphicData uri="http://schemas.openxmlformats.org/presentationml/2006/ole">
             <mc:AlternateContent xmlns:mc="http://schemas.openxmlformats.org/markup-compatibility/2006">
               <mc:Choice xmlns:v="urn:schemas-microsoft-com:vml" Requires="v">
-                <p:oleObj spid="_x0000_s17474" name="think-cell Slide" r:id="rId5" imgW="425" imgH="426" progId="TCLayout.ActiveDocument.1">
+                <p:oleObj spid="_x0000_s17476" name="think-cell Slide" r:id="rId5" imgW="425" imgH="426" progId="TCLayout.ActiveDocument.1">
                   <p:embed/>
                 </p:oleObj>
               </mc:Choice>
@@ -1278,7 +1279,7 @@
           <a:graphicData uri="http://schemas.openxmlformats.org/presentationml/2006/ole">
             <mc:AlternateContent xmlns:mc="http://schemas.openxmlformats.org/markup-compatibility/2006">
               <mc:Choice xmlns:v="urn:schemas-microsoft-com:vml" Requires="v">
-                <p:oleObj spid="_x0000_s18498" name="think-cell Slide" r:id="rId5" imgW="425" imgH="426" progId="TCLayout.ActiveDocument.1">
+                <p:oleObj spid="_x0000_s18500" name="think-cell Slide" r:id="rId5" imgW="425" imgH="426" progId="TCLayout.ActiveDocument.1">
                   <p:embed/>
                 </p:oleObj>
               </mc:Choice>
@@ -1609,7 +1610,7 @@
           <a:graphicData uri="http://schemas.openxmlformats.org/presentationml/2006/ole">
             <mc:AlternateContent xmlns:mc="http://schemas.openxmlformats.org/markup-compatibility/2006">
               <mc:Choice xmlns:v="urn:schemas-microsoft-com:vml" Requires="v">
-                <p:oleObj spid="_x0000_s9283" name="think-cell Slide" r:id="rId5" imgW="425" imgH="426" progId="TCLayout.ActiveDocument.1">
+                <p:oleObj spid="_x0000_s9285" name="think-cell Slide" r:id="rId5" imgW="425" imgH="426" progId="TCLayout.ActiveDocument.1">
                   <p:embed/>
                 </p:oleObj>
               </mc:Choice>
@@ -1935,7 +1936,7 @@
           <a:graphicData uri="http://schemas.openxmlformats.org/presentationml/2006/ole">
             <mc:AlternateContent xmlns:mc="http://schemas.openxmlformats.org/markup-compatibility/2006">
               <mc:Choice xmlns:v="urn:schemas-microsoft-com:vml" Requires="v">
-                <p:oleObj spid="_x0000_s10306" name="think-cell Slide" r:id="rId5" imgW="425" imgH="426" progId="TCLayout.ActiveDocument.1">
+                <p:oleObj spid="_x0000_s10308" name="think-cell Slide" r:id="rId5" imgW="425" imgH="426" progId="TCLayout.ActiveDocument.1">
                   <p:embed/>
                 </p:oleObj>
               </mc:Choice>
@@ -2333,7 +2334,7 @@
           <a:graphicData uri="http://schemas.openxmlformats.org/presentationml/2006/ole">
             <mc:AlternateContent xmlns:mc="http://schemas.openxmlformats.org/markup-compatibility/2006">
               <mc:Choice xmlns:v="urn:schemas-microsoft-com:vml" Requires="v">
-                <p:oleObj spid="_x0000_s11330" name="think-cell Slide" r:id="rId5" imgW="425" imgH="426" progId="TCLayout.ActiveDocument.1">
+                <p:oleObj spid="_x0000_s11332" name="think-cell Slide" r:id="rId5" imgW="425" imgH="426" progId="TCLayout.ActiveDocument.1">
                   <p:embed/>
                 </p:oleObj>
               </mc:Choice>
@@ -2721,7 +2722,7 @@
           <a:graphicData uri="http://schemas.openxmlformats.org/presentationml/2006/ole">
             <mc:AlternateContent xmlns:mc="http://schemas.openxmlformats.org/markup-compatibility/2006">
               <mc:Choice xmlns:v="urn:schemas-microsoft-com:vml" Requires="v">
-                <p:oleObj spid="_x0000_s12354" name="think-cell Slide" r:id="rId5" imgW="425" imgH="426" progId="TCLayout.ActiveDocument.1">
+                <p:oleObj spid="_x0000_s12356" name="think-cell Slide" r:id="rId5" imgW="425" imgH="426" progId="TCLayout.ActiveDocument.1">
                   <p:embed/>
                 </p:oleObj>
               </mc:Choice>
@@ -3256,7 +3257,7 @@
           <a:graphicData uri="http://schemas.openxmlformats.org/presentationml/2006/ole">
             <mc:AlternateContent xmlns:mc="http://schemas.openxmlformats.org/markup-compatibility/2006">
               <mc:Choice xmlns:v="urn:schemas-microsoft-com:vml" Requires="v">
-                <p:oleObj spid="_x0000_s13378" name="think-cell Slide" r:id="rId5" imgW="425" imgH="426" progId="TCLayout.ActiveDocument.1">
+                <p:oleObj spid="_x0000_s13380" name="think-cell Slide" r:id="rId5" imgW="425" imgH="426" progId="TCLayout.ActiveDocument.1">
                   <p:embed/>
                 </p:oleObj>
               </mc:Choice>
@@ -3520,7 +3521,7 @@
           <a:graphicData uri="http://schemas.openxmlformats.org/presentationml/2006/ole">
             <mc:AlternateContent xmlns:mc="http://schemas.openxmlformats.org/markup-compatibility/2006">
               <mc:Choice xmlns:v="urn:schemas-microsoft-com:vml" Requires="v">
-                <p:oleObj spid="_x0000_s14402" name="think-cell Slide" r:id="rId4" imgW="425" imgH="426" progId="TCLayout.ActiveDocument.1">
+                <p:oleObj spid="_x0000_s14404" name="think-cell Slide" r:id="rId4" imgW="425" imgH="426" progId="TCLayout.ActiveDocument.1">
                   <p:embed/>
                 </p:oleObj>
               </mc:Choice>
@@ -3699,7 +3700,7 @@
           <a:graphicData uri="http://schemas.openxmlformats.org/presentationml/2006/ole">
             <mc:AlternateContent xmlns:mc="http://schemas.openxmlformats.org/markup-compatibility/2006">
               <mc:Choice xmlns:v="urn:schemas-microsoft-com:vml" Requires="v">
-                <p:oleObj spid="_x0000_s15426" name="think-cell Slide" r:id="rId5" imgW="425" imgH="426" progId="TCLayout.ActiveDocument.1">
+                <p:oleObj spid="_x0000_s15428" name="think-cell Slide" r:id="rId5" imgW="425" imgH="426" progId="TCLayout.ActiveDocument.1">
                   <p:embed/>
                 </p:oleObj>
               </mc:Choice>
@@ -4133,7 +4134,7 @@
           <a:graphicData uri="http://schemas.openxmlformats.org/presentationml/2006/ole">
             <mc:AlternateContent xmlns:mc="http://schemas.openxmlformats.org/markup-compatibility/2006">
               <mc:Choice xmlns:v="urn:schemas-microsoft-com:vml" Requires="v">
-                <p:oleObj spid="_x0000_s16450" name="think-cell Slide" r:id="rId5" imgW="425" imgH="426" progId="TCLayout.ActiveDocument.1">
+                <p:oleObj spid="_x0000_s16452" name="think-cell Slide" r:id="rId5" imgW="425" imgH="426" progId="TCLayout.ActiveDocument.1">
                   <p:embed/>
                 </p:oleObj>
               </mc:Choice>
@@ -4549,7 +4550,7 @@
           <a:graphicData uri="http://schemas.openxmlformats.org/presentationml/2006/ole">
             <mc:AlternateContent xmlns:mc="http://schemas.openxmlformats.org/markup-compatibility/2006">
               <mc:Choice xmlns:v="urn:schemas-microsoft-com:vml" Requires="v">
-                <p:oleObj spid="_x0000_s1101" name="think-cell Slide" r:id="rId16" imgW="425" imgH="426" progId="TCLayout.ActiveDocument.1">
+                <p:oleObj spid="_x0000_s1103" name="think-cell Slide" r:id="rId16" imgW="425" imgH="426" progId="TCLayout.ActiveDocument.1">
                   <p:embed/>
                 </p:oleObj>
               </mc:Choice>
@@ -5235,7 +5236,7 @@
           <a:graphicData uri="http://schemas.openxmlformats.org/presentationml/2006/ole">
             <mc:AlternateContent xmlns:mc="http://schemas.openxmlformats.org/markup-compatibility/2006">
               <mc:Choice xmlns:v="urn:schemas-microsoft-com:vml" Requires="v">
-                <p:oleObj spid="_x0000_s19536" name="think-cell Slide" r:id="rId6" imgW="425" imgH="426" progId="TCLayout.ActiveDocument.1">
+                <p:oleObj spid="_x0000_s19538" name="think-cell Slide" r:id="rId6" imgW="425" imgH="426" progId="TCLayout.ActiveDocument.1">
                   <p:embed/>
                 </p:oleObj>
               </mc:Choice>
@@ -5485,7 +5486,7 @@
           <p:cNvPr id="6" name="Object 5" hidden="1">
             <a:extLst>
               <a:ext uri="{FF2B5EF4-FFF2-40B4-BE49-F238E27FC236}">
-                <a16:creationId xmlns:a16="http://schemas.microsoft.com/office/drawing/2014/main" id="{15E12FB7-6908-4884-94C4-297C2016D78D}"/>
+                <a16:creationId xmlns:a16="http://schemas.microsoft.com/office/drawing/2014/main" id="{6FC64321-E39C-4858-9A7E-4FF474CC4195}"/>
               </a:ext>
             </a:extLst>
           </p:cNvPr>
@@ -5498,7 +5499,7 @@
             </p:custDataLst>
             <p:extLst>
               <p:ext uri="{D42A27DB-BD31-4B8C-83A1-F6EECF244321}">
-                <p14:modId xmlns:p14="http://schemas.microsoft.com/office/powerpoint/2010/main" val="2454877567"/>
+                <p14:modId xmlns:p14="http://schemas.microsoft.com/office/powerpoint/2010/main" val="2890592571"/>
               </p:ext>
             </p:extLst>
           </p:nvPr>
@@ -5511,7 +5512,7 @@
           <a:graphicData uri="http://schemas.openxmlformats.org/presentationml/2006/ole">
             <mc:AlternateContent xmlns:mc="http://schemas.openxmlformats.org/markup-compatibility/2006">
               <mc:Choice xmlns:v="urn:schemas-microsoft-com:vml" Requires="v">
-                <p:oleObj spid="_x0000_s50180" name="think-cell Slide" r:id="rId5" imgW="573" imgH="574" progId="TCLayout.ActiveDocument.1">
+                <p:oleObj spid="_x0000_s38932" name="think-cell Slide" r:id="rId5" imgW="573" imgH="574" progId="TCLayout.ActiveDocument.1">
                   <p:embed/>
                 </p:oleObj>
               </mc:Choice>
@@ -5551,7 +5552,7 @@
           <p:cNvPr id="5" name="Rectangle 4" hidden="1">
             <a:extLst>
               <a:ext uri="{FF2B5EF4-FFF2-40B4-BE49-F238E27FC236}">
-                <a16:creationId xmlns:a16="http://schemas.microsoft.com/office/drawing/2014/main" id="{ADE3EA91-9328-4915-832A-3413435C311E}"/>
+                <a16:creationId xmlns:a16="http://schemas.microsoft.com/office/drawing/2014/main" id="{82ABB2DD-CA82-45A9-BF5E-90C067184B8B}"/>
               </a:ext>
             </a:extLst>
           </p:cNvPr>
@@ -5608,7 +5609,7 @@
           <p:cNvPr id="2" name="Title 1">
             <a:extLst>
               <a:ext uri="{FF2B5EF4-FFF2-40B4-BE49-F238E27FC236}">
-                <a16:creationId xmlns:a16="http://schemas.microsoft.com/office/drawing/2014/main" id="{4CC913FF-265C-4D31-AA7F-106B3ED48FB9}"/>
+                <a16:creationId xmlns:a16="http://schemas.microsoft.com/office/drawing/2014/main" id="{1378C9F6-3894-4094-A61B-6E075EB05B67}"/>
               </a:ext>
             </a:extLst>
           </p:cNvPr>
@@ -5619,14 +5620,19 @@
             <p:ph type="title"/>
           </p:nvPr>
         </p:nvSpPr>
-        <p:spPr/>
+        <p:spPr>
+          <a:xfrm>
+            <a:off x="-95250" y="-79050"/>
+            <a:ext cx="12287250" cy="1325563"/>
+          </a:xfrm>
+        </p:spPr>
         <p:txBody>
           <a:bodyPr/>
           <a:lstStyle/>
           <a:p>
             <a:r>
               <a:rPr lang="en-US" dirty="0"/>
-              <a:t>GMs know what they are doing?</a:t>
+              <a:t>PFF can predict next season Measures, but not salary</a:t>
             </a:r>
           </a:p>
         </p:txBody>
@@ -5636,7 +5642,7 @@
           <p:cNvPr id="4" name="Picture 3">
             <a:extLst>
               <a:ext uri="{FF2B5EF4-FFF2-40B4-BE49-F238E27FC236}">
-                <a16:creationId xmlns:a16="http://schemas.microsoft.com/office/drawing/2014/main" id="{A06F6E75-5C22-4F77-8C7B-3949F27F6F20}"/>
+                <a16:creationId xmlns:a16="http://schemas.microsoft.com/office/drawing/2014/main" id="{447D40C1-C1EC-4842-8027-9BA5CCC85453}"/>
               </a:ext>
             </a:extLst>
           </p:cNvPr>
@@ -5653,8 +5659,188 @@
         </p:blipFill>
         <p:spPr>
           <a:xfrm>
-            <a:off x="2945513" y="1837233"/>
-            <a:ext cx="5895238" cy="4610267"/>
+            <a:off x="1169510" y="1389065"/>
+            <a:ext cx="1763387" cy="1763387"/>
+          </a:xfrm>
+          <a:prstGeom prst="rect">
+            <a:avLst/>
+          </a:prstGeom>
+        </p:spPr>
+      </p:pic>
+      <p:pic>
+        <p:nvPicPr>
+          <p:cNvPr id="10" name="Picture 9">
+            <a:extLst>
+              <a:ext uri="{FF2B5EF4-FFF2-40B4-BE49-F238E27FC236}">
+                <a16:creationId xmlns:a16="http://schemas.microsoft.com/office/drawing/2014/main" id="{62AB9C17-CD9F-4251-AE09-8E923C24FE32}"/>
+              </a:ext>
+            </a:extLst>
+          </p:cNvPr>
+          <p:cNvPicPr>
+            <a:picLocks noChangeAspect="1"/>
+          </p:cNvPicPr>
+          <p:nvPr/>
+        </p:nvPicPr>
+        <p:blipFill>
+          <a:blip r:embed="rId8"/>
+          <a:stretch>
+            <a:fillRect/>
+          </a:stretch>
+        </p:blipFill>
+        <p:spPr>
+          <a:xfrm>
+            <a:off x="6468739" y="1380186"/>
+            <a:ext cx="1763387" cy="1763387"/>
+          </a:xfrm>
+          <a:prstGeom prst="rect">
+            <a:avLst/>
+          </a:prstGeom>
+        </p:spPr>
+      </p:pic>
+      <p:pic>
+        <p:nvPicPr>
+          <p:cNvPr id="11" name="Picture 10">
+            <a:extLst>
+              <a:ext uri="{FF2B5EF4-FFF2-40B4-BE49-F238E27FC236}">
+                <a16:creationId xmlns:a16="http://schemas.microsoft.com/office/drawing/2014/main" id="{F768A541-09F6-4AEB-8C81-774B470E59B1}"/>
+              </a:ext>
+            </a:extLst>
+          </p:cNvPr>
+          <p:cNvPicPr>
+            <a:picLocks noChangeAspect="1"/>
+          </p:cNvPicPr>
+          <p:nvPr/>
+        </p:nvPicPr>
+        <p:blipFill>
+          <a:blip r:embed="rId9"/>
+          <a:stretch>
+            <a:fillRect/>
+          </a:stretch>
+        </p:blipFill>
+        <p:spPr>
+          <a:xfrm>
+            <a:off x="283845" y="3286125"/>
+            <a:ext cx="11355705" cy="3363333"/>
+          </a:xfrm>
+          <a:prstGeom prst="rect">
+            <a:avLst/>
+          </a:prstGeom>
+        </p:spPr>
+      </p:pic>
+      <p:pic>
+        <p:nvPicPr>
+          <p:cNvPr id="12" name="Picture 11">
+            <a:extLst>
+              <a:ext uri="{FF2B5EF4-FFF2-40B4-BE49-F238E27FC236}">
+                <a16:creationId xmlns:a16="http://schemas.microsoft.com/office/drawing/2014/main" id="{00E1F693-0116-4E55-AB81-DD1B86D1270E}"/>
+              </a:ext>
+            </a:extLst>
+          </p:cNvPr>
+          <p:cNvPicPr>
+            <a:picLocks noChangeAspect="1"/>
+          </p:cNvPicPr>
+          <p:nvPr/>
+        </p:nvPicPr>
+        <p:blipFill>
+          <a:blip r:embed="rId10"/>
+          <a:stretch>
+            <a:fillRect/>
+          </a:stretch>
+        </p:blipFill>
+        <p:spPr>
+          <a:xfrm>
+            <a:off x="2935920" y="1389065"/>
+            <a:ext cx="1763387" cy="1763387"/>
+          </a:xfrm>
+          <a:prstGeom prst="rect">
+            <a:avLst/>
+          </a:prstGeom>
+        </p:spPr>
+      </p:pic>
+      <p:pic>
+        <p:nvPicPr>
+          <p:cNvPr id="15" name="Picture 14">
+            <a:extLst>
+              <a:ext uri="{FF2B5EF4-FFF2-40B4-BE49-F238E27FC236}">
+                <a16:creationId xmlns:a16="http://schemas.microsoft.com/office/drawing/2014/main" id="{63575AC2-80D1-4679-821B-27019351746E}"/>
+              </a:ext>
+            </a:extLst>
+          </p:cNvPr>
+          <p:cNvPicPr>
+            <a:picLocks noChangeAspect="1"/>
+          </p:cNvPicPr>
+          <p:nvPr/>
+        </p:nvPicPr>
+        <p:blipFill>
+          <a:blip r:embed="rId11"/>
+          <a:stretch>
+            <a:fillRect/>
+          </a:stretch>
+        </p:blipFill>
+        <p:spPr>
+          <a:xfrm>
+            <a:off x="4699307" y="1389065"/>
+            <a:ext cx="1763387" cy="1763387"/>
+          </a:xfrm>
+          <a:prstGeom prst="rect">
+            <a:avLst/>
+          </a:prstGeom>
+        </p:spPr>
+      </p:pic>
+      <p:pic>
+        <p:nvPicPr>
+          <p:cNvPr id="16" name="Picture 15">
+            <a:extLst>
+              <a:ext uri="{FF2B5EF4-FFF2-40B4-BE49-F238E27FC236}">
+                <a16:creationId xmlns:a16="http://schemas.microsoft.com/office/drawing/2014/main" id="{D82E3B33-FCFE-4586-8C54-952DE1E9500D}"/>
+              </a:ext>
+            </a:extLst>
+          </p:cNvPr>
+          <p:cNvPicPr>
+            <a:picLocks noChangeAspect="1"/>
+          </p:cNvPicPr>
+          <p:nvPr/>
+        </p:nvPicPr>
+        <p:blipFill>
+          <a:blip r:embed="rId12"/>
+          <a:stretch>
+            <a:fillRect/>
+          </a:stretch>
+        </p:blipFill>
+        <p:spPr>
+          <a:xfrm>
+            <a:off x="8238171" y="1380186"/>
+            <a:ext cx="1763387" cy="1763387"/>
+          </a:xfrm>
+          <a:prstGeom prst="rect">
+            <a:avLst/>
+          </a:prstGeom>
+        </p:spPr>
+      </p:pic>
+      <p:pic>
+        <p:nvPicPr>
+          <p:cNvPr id="17" name="Picture 16">
+            <a:extLst>
+              <a:ext uri="{FF2B5EF4-FFF2-40B4-BE49-F238E27FC236}">
+                <a16:creationId xmlns:a16="http://schemas.microsoft.com/office/drawing/2014/main" id="{3A677EFA-214A-42C4-837E-A59B7287B812}"/>
+              </a:ext>
+            </a:extLst>
+          </p:cNvPr>
+          <p:cNvPicPr>
+            <a:picLocks noChangeAspect="1"/>
+          </p:cNvPicPr>
+          <p:nvPr/>
+        </p:nvPicPr>
+        <p:blipFill>
+          <a:blip r:embed="rId13"/>
+          <a:stretch>
+            <a:fillRect/>
+          </a:stretch>
+        </p:blipFill>
+        <p:spPr>
+          <a:xfrm>
+            <a:off x="9998536" y="1389065"/>
+            <a:ext cx="1763387" cy="1763387"/>
           </a:xfrm>
           <a:prstGeom prst="rect">
             <a:avLst/>
@@ -5664,7 +5850,7 @@
     </p:spTree>
     <p:extLst>
       <p:ext uri="{BB962C8B-B14F-4D97-AF65-F5344CB8AC3E}">
-        <p14:creationId xmlns:p14="http://schemas.microsoft.com/office/powerpoint/2010/main" val="2745332380"/>
+        <p14:creationId xmlns:p14="http://schemas.microsoft.com/office/powerpoint/2010/main" val="2930512362"/>
       </p:ext>
     </p:extLst>
   </p:cSld>
@@ -5693,10 +5879,10 @@
       </p:grpSpPr>
       <p:graphicFrame>
         <p:nvGraphicFramePr>
-          <p:cNvPr id="5" name="Object 4" hidden="1">
-            <a:extLst>
-              <a:ext uri="{FF2B5EF4-FFF2-40B4-BE49-F238E27FC236}">
-                <a16:creationId xmlns:a16="http://schemas.microsoft.com/office/drawing/2014/main" id="{D555CEC3-9AEC-4FDC-A0CD-81DA31C3EF43}"/>
+          <p:cNvPr id="4" name="Object 3" hidden="1">
+            <a:extLst>
+              <a:ext uri="{FF2B5EF4-FFF2-40B4-BE49-F238E27FC236}">
+                <a16:creationId xmlns:a16="http://schemas.microsoft.com/office/drawing/2014/main" id="{3AE0F505-73DA-4D29-9FE1-5A8A109B30DF}"/>
               </a:ext>
             </a:extLst>
           </p:cNvPr>
@@ -5709,7 +5895,7 @@
             </p:custDataLst>
             <p:extLst>
               <p:ext uri="{D42A27DB-BD31-4B8C-83A1-F6EECF244321}">
-                <p14:modId xmlns:p14="http://schemas.microsoft.com/office/powerpoint/2010/main" val="735203544"/>
+                <p14:modId xmlns:p14="http://schemas.microsoft.com/office/powerpoint/2010/main" val="3938766981"/>
               </p:ext>
             </p:extLst>
           </p:nvPr>
@@ -5722,7 +5908,7 @@
           <a:graphicData uri="http://schemas.openxmlformats.org/presentationml/2006/ole">
             <mc:AlternateContent xmlns:mc="http://schemas.openxmlformats.org/markup-compatibility/2006">
               <mc:Choice xmlns:v="urn:schemas-microsoft-com:vml" Requires="v">
-                <p:oleObj spid="_x0000_s49159" name="think-cell Slide" r:id="rId5" imgW="573" imgH="574" progId="TCLayout.ActiveDocument.1">
+                <p:oleObj spid="_x0000_s48136" name="think-cell Slide" r:id="rId5" imgW="573" imgH="574" progId="TCLayout.ActiveDocument.1">
                   <p:embed/>
                 </p:oleObj>
               </mc:Choice>
@@ -5759,10 +5945,10 @@
       </p:graphicFrame>
       <p:sp>
         <p:nvSpPr>
-          <p:cNvPr id="4" name="Rectangle 3" hidden="1">
-            <a:extLst>
-              <a:ext uri="{FF2B5EF4-FFF2-40B4-BE49-F238E27FC236}">
-                <a16:creationId xmlns:a16="http://schemas.microsoft.com/office/drawing/2014/main" id="{AD0C0CDE-E1C0-4AB4-881D-2480EEAE3BB9}"/>
+          <p:cNvPr id="5" name="Rectangle 4" hidden="1">
+            <a:extLst>
+              <a:ext uri="{FF2B5EF4-FFF2-40B4-BE49-F238E27FC236}">
+                <a16:creationId xmlns:a16="http://schemas.microsoft.com/office/drawing/2014/main" id="{09827AEE-EACD-483D-8DF3-DB290BEF9A5E}"/>
               </a:ext>
             </a:extLst>
           </p:cNvPr>
@@ -5819,7 +6005,7 @@
           <p:cNvPr id="2" name="Title 1">
             <a:extLst>
               <a:ext uri="{FF2B5EF4-FFF2-40B4-BE49-F238E27FC236}">
-                <a16:creationId xmlns:a16="http://schemas.microsoft.com/office/drawing/2014/main" id="{75AE4F0C-6BC9-47F3-80F8-6BCCA69BA490}"/>
+                <a16:creationId xmlns:a16="http://schemas.microsoft.com/office/drawing/2014/main" id="{9A2DB987-7A4F-4299-8DB8-D57E2F96B9FF}"/>
               </a:ext>
             </a:extLst>
           </p:cNvPr>
@@ -5837,8 +6023,50 @@
           <a:p>
             <a:r>
               <a:rPr lang="en-US" dirty="0"/>
-              <a:t>PFF by Draft Rank</a:t>
+              <a:t>TBD: Career Performance Score by Draft Rank</a:t>
             </a:r>
+          </a:p>
+        </p:txBody>
+      </p:sp>
+      <p:sp>
+        <p:nvSpPr>
+          <p:cNvPr id="7" name="TextBox 6">
+            <a:extLst>
+              <a:ext uri="{FF2B5EF4-FFF2-40B4-BE49-F238E27FC236}">
+                <a16:creationId xmlns:a16="http://schemas.microsoft.com/office/drawing/2014/main" id="{A93654EE-A041-4011-95C2-B8F38893040F}"/>
+              </a:ext>
+            </a:extLst>
+          </p:cNvPr>
+          <p:cNvSpPr txBox="1"/>
+          <p:nvPr/>
+        </p:nvSpPr>
+        <p:spPr>
+          <a:xfrm>
+            <a:off x="1737360" y="1589413"/>
+            <a:ext cx="7705379" cy="369332"/>
+          </a:xfrm>
+          <a:prstGeom prst="rect">
+            <a:avLst/>
+          </a:prstGeom>
+          <a:noFill/>
+        </p:spPr>
+        <p:txBody>
+          <a:bodyPr wrap="none" rtlCol="0">
+            <a:spAutoFit/>
+          </a:bodyPr>
+          <a:lstStyle/>
+          <a:p>
+            <a:r>
+              <a:rPr lang="en-US" dirty="0"/>
+              <a:t>Career Score = Yds + TD *19.3 </a:t>
+            </a:r>
+            <a:r>
+              <a:rPr lang="en-US" dirty="0">
+                <a:sym typeface="Wingdings" panose="05000000000000000000" pitchFamily="2" charset="2"/>
+              </a:rPr>
+              <a:t> SUMPRODUCT(PFF*Snaps)/Years of Experience</a:t>
+            </a:r>
+            <a:endParaRPr lang="en-US" dirty="0"/>
           </a:p>
         </p:txBody>
       </p:sp>
@@ -5847,7 +6075,7 @@
           <p:cNvPr id="8" name="Picture 7">
             <a:extLst>
               <a:ext uri="{FF2B5EF4-FFF2-40B4-BE49-F238E27FC236}">
-                <a16:creationId xmlns:a16="http://schemas.microsoft.com/office/drawing/2014/main" id="{EE3112D7-350A-43F2-BEF7-FA04799585BB}"/>
+                <a16:creationId xmlns:a16="http://schemas.microsoft.com/office/drawing/2014/main" id="{DD1AF75B-904D-4A40-A0C8-E49176BAB78D}"/>
               </a:ext>
             </a:extLst>
           </p:cNvPr>
@@ -5864,38 +6092,8 @@
         </p:blipFill>
         <p:spPr>
           <a:xfrm>
-            <a:off x="587320" y="1914872"/>
-            <a:ext cx="5096458" cy="3985596"/>
-          </a:xfrm>
-          <a:prstGeom prst="rect">
-            <a:avLst/>
-          </a:prstGeom>
-        </p:spPr>
-      </p:pic>
-      <p:pic>
-        <p:nvPicPr>
-          <p:cNvPr id="9" name="Picture 8">
-            <a:extLst>
-              <a:ext uri="{FF2B5EF4-FFF2-40B4-BE49-F238E27FC236}">
-                <a16:creationId xmlns:a16="http://schemas.microsoft.com/office/drawing/2014/main" id="{01B752A8-0AD2-4D58-9D1C-723D8D5A8FD2}"/>
-              </a:ext>
-            </a:extLst>
-          </p:cNvPr>
-          <p:cNvPicPr>
-            <a:picLocks noChangeAspect="1"/>
-          </p:cNvPicPr>
-          <p:nvPr/>
-        </p:nvPicPr>
-        <p:blipFill>
-          <a:blip r:embed="rId8"/>
-          <a:stretch>
-            <a:fillRect/>
-          </a:stretch>
-        </p:blipFill>
-        <p:spPr>
-          <a:xfrm>
-            <a:off x="6178267" y="1914872"/>
-            <a:ext cx="5294181" cy="4140221"/>
+            <a:off x="2306325" y="2090362"/>
+            <a:ext cx="7247250" cy="4227563"/>
           </a:xfrm>
           <a:prstGeom prst="rect">
             <a:avLst/>
@@ -5905,7 +6103,7 @@
     </p:spTree>
     <p:extLst>
       <p:ext uri="{BB962C8B-B14F-4D97-AF65-F5344CB8AC3E}">
-        <p14:creationId xmlns:p14="http://schemas.microsoft.com/office/powerpoint/2010/main" val="3865398925"/>
+        <p14:creationId xmlns:p14="http://schemas.microsoft.com/office/powerpoint/2010/main" val="1248076769"/>
       </p:ext>
     </p:extLst>
   </p:cSld>
@@ -5937,7 +6135,7 @@
           <p:cNvPr id="6" name="Object 5" hidden="1">
             <a:extLst>
               <a:ext uri="{FF2B5EF4-FFF2-40B4-BE49-F238E27FC236}">
-                <a16:creationId xmlns:a16="http://schemas.microsoft.com/office/drawing/2014/main" id="{AC00D3E5-FCED-400D-8D99-E7A4F61E18E7}"/>
+                <a16:creationId xmlns:a16="http://schemas.microsoft.com/office/drawing/2014/main" id="{15E12FB7-6908-4884-94C4-297C2016D78D}"/>
               </a:ext>
             </a:extLst>
           </p:cNvPr>
@@ -5950,7 +6148,7 @@
             </p:custDataLst>
             <p:extLst>
               <p:ext uri="{D42A27DB-BD31-4B8C-83A1-F6EECF244321}">
-                <p14:modId xmlns:p14="http://schemas.microsoft.com/office/powerpoint/2010/main" val="1678612706"/>
+                <p14:modId xmlns:p14="http://schemas.microsoft.com/office/powerpoint/2010/main" val="2454877567"/>
               </p:ext>
             </p:extLst>
           </p:nvPr>
@@ -5963,7 +6161,7 @@
           <a:graphicData uri="http://schemas.openxmlformats.org/presentationml/2006/ole">
             <mc:AlternateContent xmlns:mc="http://schemas.openxmlformats.org/markup-compatibility/2006">
               <mc:Choice xmlns:v="urn:schemas-microsoft-com:vml" Requires="v">
-                <p:oleObj spid="_x0000_s39951" name="think-cell Slide" r:id="rId5" imgW="573" imgH="574" progId="TCLayout.ActiveDocument.1">
+                <p:oleObj spid="_x0000_s50183" name="think-cell Slide" r:id="rId5" imgW="573" imgH="574" progId="TCLayout.ActiveDocument.1">
                   <p:embed/>
                 </p:oleObj>
               </mc:Choice>
@@ -6003,7 +6201,7 @@
           <p:cNvPr id="5" name="Rectangle 4" hidden="1">
             <a:extLst>
               <a:ext uri="{FF2B5EF4-FFF2-40B4-BE49-F238E27FC236}">
-                <a16:creationId xmlns:a16="http://schemas.microsoft.com/office/drawing/2014/main" id="{332352BF-A098-4F02-BB28-6685350E2182}"/>
+                <a16:creationId xmlns:a16="http://schemas.microsoft.com/office/drawing/2014/main" id="{ADE3EA91-9328-4915-832A-3413435C311E}"/>
               </a:ext>
             </a:extLst>
           </p:cNvPr>
@@ -6046,7 +6244,7 @@
           <a:lstStyle/>
           <a:p>
             <a:pPr algn="ctr"/>
-            <a:endParaRPr lang="en-US" sz="4000" dirty="0">
+            <a:endParaRPr lang="en-US" sz="4400" dirty="0">
               <a:latin typeface="Calibri Light" panose="020F0302020204030204" pitchFamily="34" charset="0"/>
               <a:ea typeface="+mj-ea"/>
               <a:cs typeface="+mj-cs"/>
@@ -6060,7 +6258,7 @@
           <p:cNvPr id="2" name="Title 1">
             <a:extLst>
               <a:ext uri="{FF2B5EF4-FFF2-40B4-BE49-F238E27FC236}">
-                <a16:creationId xmlns:a16="http://schemas.microsoft.com/office/drawing/2014/main" id="{F21B450E-9FB1-4CD8-8D2C-1857207295CB}"/>
+                <a16:creationId xmlns:a16="http://schemas.microsoft.com/office/drawing/2014/main" id="{4CC913FF-265C-4D31-AA7F-106B3ED48FB9}"/>
               </a:ext>
             </a:extLst>
           </p:cNvPr>
@@ -6073,24 +6271,22 @@
         </p:nvSpPr>
         <p:spPr/>
         <p:txBody>
-          <a:bodyPr>
-            <a:normAutofit/>
-          </a:bodyPr>
+          <a:bodyPr/>
           <a:lstStyle/>
           <a:p>
             <a:r>
-              <a:rPr lang="en-US" sz="4000" dirty="0"/>
-              <a:t>Regressing Salary Within Season PFF and Performance</a:t>
+              <a:rPr lang="en-US" dirty="0"/>
+              <a:t>GMs know what they are doing?</a:t>
             </a:r>
           </a:p>
         </p:txBody>
       </p:sp>
       <p:pic>
         <p:nvPicPr>
-          <p:cNvPr id="3" name="Picture 2">
-            <a:extLst>
-              <a:ext uri="{FF2B5EF4-FFF2-40B4-BE49-F238E27FC236}">
-                <a16:creationId xmlns:a16="http://schemas.microsoft.com/office/drawing/2014/main" id="{5618C7DA-35CD-4941-AB44-15A7E5D4A1D6}"/>
+          <p:cNvPr id="4" name="Picture 3">
+            <a:extLst>
+              <a:ext uri="{FF2B5EF4-FFF2-40B4-BE49-F238E27FC236}">
+                <a16:creationId xmlns:a16="http://schemas.microsoft.com/office/drawing/2014/main" id="{A06F6E75-5C22-4F77-8C7B-3949F27F6F20}"/>
               </a:ext>
             </a:extLst>
           </p:cNvPr>
@@ -6107,8 +6303,38 @@
         </p:blipFill>
         <p:spPr>
           <a:xfrm>
-            <a:off x="655722" y="1433055"/>
-            <a:ext cx="10880556" cy="4561234"/>
+            <a:off x="304800" y="1589413"/>
+            <a:ext cx="5895238" cy="4610267"/>
+          </a:xfrm>
+          <a:prstGeom prst="rect">
+            <a:avLst/>
+          </a:prstGeom>
+        </p:spPr>
+      </p:pic>
+      <p:pic>
+        <p:nvPicPr>
+          <p:cNvPr id="8" name="Picture 7">
+            <a:extLst>
+              <a:ext uri="{FF2B5EF4-FFF2-40B4-BE49-F238E27FC236}">
+                <a16:creationId xmlns:a16="http://schemas.microsoft.com/office/drawing/2014/main" id="{C8D0355D-9E30-411A-A731-FBD3E9D4BC76}"/>
+              </a:ext>
+            </a:extLst>
+          </p:cNvPr>
+          <p:cNvPicPr>
+            <a:picLocks noChangeAspect="1"/>
+          </p:cNvPicPr>
+          <p:nvPr/>
+        </p:nvPicPr>
+        <p:blipFill>
+          <a:blip r:embed="rId8"/>
+          <a:stretch>
+            <a:fillRect/>
+          </a:stretch>
+        </p:blipFill>
+        <p:spPr>
+          <a:xfrm>
+            <a:off x="6342224" y="1717346"/>
+            <a:ext cx="5186549" cy="4610266"/>
           </a:xfrm>
           <a:prstGeom prst="rect">
             <a:avLst/>
@@ -6118,7 +6344,7 @@
     </p:spTree>
     <p:extLst>
       <p:ext uri="{BB962C8B-B14F-4D97-AF65-F5344CB8AC3E}">
-        <p14:creationId xmlns:p14="http://schemas.microsoft.com/office/powerpoint/2010/main" val="2521784412"/>
+        <p14:creationId xmlns:p14="http://schemas.microsoft.com/office/powerpoint/2010/main" val="2745332380"/>
       </p:ext>
     </p:extLst>
   </p:cSld>
@@ -6147,10 +6373,10 @@
       </p:grpSpPr>
       <p:graphicFrame>
         <p:nvGraphicFramePr>
-          <p:cNvPr id="9" name="Object 8" hidden="1">
-            <a:extLst>
-              <a:ext uri="{FF2B5EF4-FFF2-40B4-BE49-F238E27FC236}">
-                <a16:creationId xmlns:a16="http://schemas.microsoft.com/office/drawing/2014/main" id="{89C744DD-D25F-455E-9512-9360D7F14DED}"/>
+          <p:cNvPr id="5" name="Object 4" hidden="1">
+            <a:extLst>
+              <a:ext uri="{FF2B5EF4-FFF2-40B4-BE49-F238E27FC236}">
+                <a16:creationId xmlns:a16="http://schemas.microsoft.com/office/drawing/2014/main" id="{D555CEC3-9AEC-4FDC-A0CD-81DA31C3EF43}"/>
               </a:ext>
             </a:extLst>
           </p:cNvPr>
@@ -6163,7 +6389,7 @@
             </p:custDataLst>
             <p:extLst>
               <p:ext uri="{D42A27DB-BD31-4B8C-83A1-F6EECF244321}">
-                <p14:modId xmlns:p14="http://schemas.microsoft.com/office/powerpoint/2010/main" val="2202651410"/>
+                <p14:modId xmlns:p14="http://schemas.microsoft.com/office/powerpoint/2010/main" val="735203544"/>
               </p:ext>
             </p:extLst>
           </p:nvPr>
@@ -6176,7 +6402,7 @@
           <a:graphicData uri="http://schemas.openxmlformats.org/presentationml/2006/ole">
             <mc:AlternateContent xmlns:mc="http://schemas.openxmlformats.org/markup-compatibility/2006">
               <mc:Choice xmlns:v="urn:schemas-microsoft-com:vml" Requires="v">
-                <p:oleObj spid="_x0000_s40969" name="think-cell Slide" r:id="rId5" imgW="573" imgH="574" progId="TCLayout.ActiveDocument.1">
+                <p:oleObj spid="_x0000_s49163" name="think-cell Slide" r:id="rId5" imgW="573" imgH="574" progId="TCLayout.ActiveDocument.1">
                   <p:embed/>
                 </p:oleObj>
               </mc:Choice>
@@ -6213,10 +6439,10 @@
       </p:graphicFrame>
       <p:sp>
         <p:nvSpPr>
-          <p:cNvPr id="8" name="Rectangle 7" hidden="1">
-            <a:extLst>
-              <a:ext uri="{FF2B5EF4-FFF2-40B4-BE49-F238E27FC236}">
-                <a16:creationId xmlns:a16="http://schemas.microsoft.com/office/drawing/2014/main" id="{1B221499-45CB-49CE-913C-C43CAABD4842}"/>
+          <p:cNvPr id="4" name="Rectangle 3" hidden="1">
+            <a:extLst>
+              <a:ext uri="{FF2B5EF4-FFF2-40B4-BE49-F238E27FC236}">
+                <a16:creationId xmlns:a16="http://schemas.microsoft.com/office/drawing/2014/main" id="{AD0C0CDE-E1C0-4AB4-881D-2480EEAE3BB9}"/>
               </a:ext>
             </a:extLst>
           </p:cNvPr>
@@ -6273,7 +6499,7 @@
           <p:cNvPr id="2" name="Title 1">
             <a:extLst>
               <a:ext uri="{FF2B5EF4-FFF2-40B4-BE49-F238E27FC236}">
-                <a16:creationId xmlns:a16="http://schemas.microsoft.com/office/drawing/2014/main" id="{60C2FF1B-1682-4027-894F-4F9436F28EEB}"/>
+                <a16:creationId xmlns:a16="http://schemas.microsoft.com/office/drawing/2014/main" id="{75AE4F0C-6BC9-47F3-80F8-6BCCA69BA490}"/>
               </a:ext>
             </a:extLst>
           </p:cNvPr>
@@ -6291,17 +6517,17 @@
           <a:p>
             <a:r>
               <a:rPr lang="en-US" dirty="0"/>
-              <a:t>Other Scatter Plots</a:t>
+              <a:t>PFF by Draft Rank</a:t>
             </a:r>
           </a:p>
         </p:txBody>
       </p:sp>
       <p:pic>
         <p:nvPicPr>
-          <p:cNvPr id="6" name="Picture 5">
-            <a:extLst>
-              <a:ext uri="{FF2B5EF4-FFF2-40B4-BE49-F238E27FC236}">
-                <a16:creationId xmlns:a16="http://schemas.microsoft.com/office/drawing/2014/main" id="{5A17CA73-65CF-40B2-9FF9-ABAFEF53C7F3}"/>
+          <p:cNvPr id="8" name="Picture 7">
+            <a:extLst>
+              <a:ext uri="{FF2B5EF4-FFF2-40B4-BE49-F238E27FC236}">
+                <a16:creationId xmlns:a16="http://schemas.microsoft.com/office/drawing/2014/main" id="{EE3112D7-350A-43F2-BEF7-FA04799585BB}"/>
               </a:ext>
             </a:extLst>
           </p:cNvPr>
@@ -6318,8 +6544,8 @@
         </p:blipFill>
         <p:spPr>
           <a:xfrm>
-            <a:off x="61711" y="1737191"/>
-            <a:ext cx="5871049" cy="4856959"/>
+            <a:off x="1004166" y="1252644"/>
+            <a:ext cx="3441755" cy="2691565"/>
           </a:xfrm>
           <a:prstGeom prst="rect">
             <a:avLst/>
@@ -6328,10 +6554,10 @@
       </p:pic>
       <p:pic>
         <p:nvPicPr>
-          <p:cNvPr id="7" name="Picture 6">
-            <a:extLst>
-              <a:ext uri="{FF2B5EF4-FFF2-40B4-BE49-F238E27FC236}">
-                <a16:creationId xmlns:a16="http://schemas.microsoft.com/office/drawing/2014/main" id="{1A3223A3-0495-4FDD-93A0-413AC9B8CD83}"/>
+          <p:cNvPr id="9" name="Picture 8">
+            <a:extLst>
+              <a:ext uri="{FF2B5EF4-FFF2-40B4-BE49-F238E27FC236}">
+                <a16:creationId xmlns:a16="http://schemas.microsoft.com/office/drawing/2014/main" id="{01B752A8-0AD2-4D58-9D1C-723D8D5A8FD2}"/>
               </a:ext>
             </a:extLst>
           </p:cNvPr>
@@ -6348,8 +6574,68 @@
         </p:blipFill>
         <p:spPr>
           <a:xfrm>
-            <a:off x="5932760" y="1737192"/>
-            <a:ext cx="5871048" cy="4856958"/>
+            <a:off x="6371250" y="1366118"/>
+            <a:ext cx="3858600" cy="2691564"/>
+          </a:xfrm>
+          <a:prstGeom prst="rect">
+            <a:avLst/>
+          </a:prstGeom>
+        </p:spPr>
+      </p:pic>
+      <p:pic>
+        <p:nvPicPr>
+          <p:cNvPr id="12" name="Picture 11">
+            <a:extLst>
+              <a:ext uri="{FF2B5EF4-FFF2-40B4-BE49-F238E27FC236}">
+                <a16:creationId xmlns:a16="http://schemas.microsoft.com/office/drawing/2014/main" id="{2DAF94E0-09AF-4D8E-87F1-95B018315899}"/>
+              </a:ext>
+            </a:extLst>
+          </p:cNvPr>
+          <p:cNvPicPr>
+            <a:picLocks noChangeAspect="1"/>
+          </p:cNvPicPr>
+          <p:nvPr/>
+        </p:nvPicPr>
+        <p:blipFill>
+          <a:blip r:embed="rId9"/>
+          <a:stretch>
+            <a:fillRect/>
+          </a:stretch>
+        </p:blipFill>
+        <p:spPr>
+          <a:xfrm>
+            <a:off x="1116212" y="3944209"/>
+            <a:ext cx="3329709" cy="2774758"/>
+          </a:xfrm>
+          <a:prstGeom prst="rect">
+            <a:avLst/>
+          </a:prstGeom>
+        </p:spPr>
+      </p:pic>
+      <p:pic>
+        <p:nvPicPr>
+          <p:cNvPr id="13" name="Picture 12">
+            <a:extLst>
+              <a:ext uri="{FF2B5EF4-FFF2-40B4-BE49-F238E27FC236}">
+                <a16:creationId xmlns:a16="http://schemas.microsoft.com/office/drawing/2014/main" id="{734BE2E0-3B58-4C4E-AC04-864E22B0461E}"/>
+              </a:ext>
+            </a:extLst>
+          </p:cNvPr>
+          <p:cNvPicPr>
+            <a:picLocks noChangeAspect="1"/>
+          </p:cNvPicPr>
+          <p:nvPr/>
+        </p:nvPicPr>
+        <p:blipFill>
+          <a:blip r:embed="rId10"/>
+          <a:stretch>
+            <a:fillRect/>
+          </a:stretch>
+        </p:blipFill>
+        <p:spPr>
+          <a:xfrm>
+            <a:off x="6427272" y="3944209"/>
+            <a:ext cx="3802578" cy="2774758"/>
           </a:xfrm>
           <a:prstGeom prst="rect">
             <a:avLst/>
@@ -6359,7 +6645,7 @@
     </p:spTree>
     <p:extLst>
       <p:ext uri="{BB962C8B-B14F-4D97-AF65-F5344CB8AC3E}">
-        <p14:creationId xmlns:p14="http://schemas.microsoft.com/office/powerpoint/2010/main" val="2607328939"/>
+        <p14:creationId xmlns:p14="http://schemas.microsoft.com/office/powerpoint/2010/main" val="3865398925"/>
       </p:ext>
     </p:extLst>
   </p:cSld>
@@ -6391,7 +6677,7 @@
           <p:cNvPr id="6" name="Object 5" hidden="1">
             <a:extLst>
               <a:ext uri="{FF2B5EF4-FFF2-40B4-BE49-F238E27FC236}">
-                <a16:creationId xmlns:a16="http://schemas.microsoft.com/office/drawing/2014/main" id="{F7D07354-9D8F-4809-9E42-ED6B5443DBA8}"/>
+                <a16:creationId xmlns:a16="http://schemas.microsoft.com/office/drawing/2014/main" id="{AC00D3E5-FCED-400D-8D99-E7A4F61E18E7}"/>
               </a:ext>
             </a:extLst>
           </p:cNvPr>
@@ -6404,7 +6690,7 @@
             </p:custDataLst>
             <p:extLst>
               <p:ext uri="{D42A27DB-BD31-4B8C-83A1-F6EECF244321}">
-                <p14:modId xmlns:p14="http://schemas.microsoft.com/office/powerpoint/2010/main" val="956276174"/>
+                <p14:modId xmlns:p14="http://schemas.microsoft.com/office/powerpoint/2010/main" val="1678612706"/>
               </p:ext>
             </p:extLst>
           </p:nvPr>
@@ -6417,7 +6703,7 @@
           <a:graphicData uri="http://schemas.openxmlformats.org/presentationml/2006/ole">
             <mc:AlternateContent xmlns:mc="http://schemas.openxmlformats.org/markup-compatibility/2006">
               <mc:Choice xmlns:v="urn:schemas-microsoft-com:vml" Requires="v">
-                <p:oleObj spid="_x0000_s41993" name="think-cell Slide" r:id="rId5" imgW="573" imgH="574" progId="TCLayout.ActiveDocument.1">
+                <p:oleObj spid="_x0000_s39956" name="think-cell Slide" r:id="rId5" imgW="573" imgH="574" progId="TCLayout.ActiveDocument.1">
                   <p:embed/>
                 </p:oleObj>
               </mc:Choice>
@@ -6457,7 +6743,7 @@
           <p:cNvPr id="5" name="Rectangle 4" hidden="1">
             <a:extLst>
               <a:ext uri="{FF2B5EF4-FFF2-40B4-BE49-F238E27FC236}">
-                <a16:creationId xmlns:a16="http://schemas.microsoft.com/office/drawing/2014/main" id="{3201AD30-4588-4D38-BF0D-3FC9814E9C98}"/>
+                <a16:creationId xmlns:a16="http://schemas.microsoft.com/office/drawing/2014/main" id="{332352BF-A098-4F02-BB28-6685350E2182}"/>
               </a:ext>
             </a:extLst>
           </p:cNvPr>
@@ -6500,7 +6786,7 @@
           <a:lstStyle/>
           <a:p>
             <a:pPr algn="ctr"/>
-            <a:endParaRPr lang="en-US" sz="3600" dirty="0">
+            <a:endParaRPr lang="en-US" sz="4000" dirty="0">
               <a:latin typeface="Calibri Light" panose="020F0302020204030204" pitchFamily="34" charset="0"/>
               <a:ea typeface="+mj-ea"/>
               <a:cs typeface="+mj-cs"/>
@@ -6514,7 +6800,7 @@
           <p:cNvPr id="2" name="Title 1">
             <a:extLst>
               <a:ext uri="{FF2B5EF4-FFF2-40B4-BE49-F238E27FC236}">
-                <a16:creationId xmlns:a16="http://schemas.microsoft.com/office/drawing/2014/main" id="{089373FE-BF35-49C7-AF81-346FAE442EEE}"/>
+                <a16:creationId xmlns:a16="http://schemas.microsoft.com/office/drawing/2014/main" id="{F21B450E-9FB1-4CD8-8D2C-1857207295CB}"/>
               </a:ext>
             </a:extLst>
           </p:cNvPr>
@@ -6533,18 +6819,18 @@
           <a:lstStyle/>
           <a:p>
             <a:r>
-              <a:rPr lang="en-US" sz="3600" dirty="0"/>
-              <a:t>PFF does not correlate with snaps as well as receptions other usage metrics do (opportunity)</a:t>
+              <a:rPr lang="en-US" sz="4000" dirty="0"/>
+              <a:t>Regressing Salary Within Season PFF and Performance</a:t>
             </a:r>
           </a:p>
         </p:txBody>
       </p:sp>
       <p:pic>
         <p:nvPicPr>
-          <p:cNvPr id="4" name="Picture 3">
-            <a:extLst>
-              <a:ext uri="{FF2B5EF4-FFF2-40B4-BE49-F238E27FC236}">
-                <a16:creationId xmlns:a16="http://schemas.microsoft.com/office/drawing/2014/main" id="{34B5CC2D-2DB2-46F8-9187-67869C9DC04D}"/>
+          <p:cNvPr id="8" name="Picture 7">
+            <a:extLst>
+              <a:ext uri="{FF2B5EF4-FFF2-40B4-BE49-F238E27FC236}">
+                <a16:creationId xmlns:a16="http://schemas.microsoft.com/office/drawing/2014/main" id="{E92DD2CD-0EDC-4116-8BFB-C64C81EBC9CD}"/>
               </a:ext>
             </a:extLst>
           </p:cNvPr>
@@ -6561,8 +6847,8 @@
         </p:blipFill>
         <p:spPr>
           <a:xfrm>
-            <a:off x="2544793" y="1589413"/>
-            <a:ext cx="6793359" cy="4970197"/>
+            <a:off x="0" y="1654085"/>
+            <a:ext cx="12192000" cy="3549829"/>
           </a:xfrm>
           <a:prstGeom prst="rect">
             <a:avLst/>
@@ -6572,7 +6858,7 @@
     </p:spTree>
     <p:extLst>
       <p:ext uri="{BB962C8B-B14F-4D97-AF65-F5344CB8AC3E}">
-        <p14:creationId xmlns:p14="http://schemas.microsoft.com/office/powerpoint/2010/main" val="1659870368"/>
+        <p14:creationId xmlns:p14="http://schemas.microsoft.com/office/powerpoint/2010/main" val="2521784412"/>
       </p:ext>
     </p:extLst>
   </p:cSld>
@@ -6630,7 +6916,7 @@
           <a:graphicData uri="http://schemas.openxmlformats.org/presentationml/2006/ole">
             <mc:AlternateContent xmlns:mc="http://schemas.openxmlformats.org/markup-compatibility/2006">
               <mc:Choice xmlns:v="urn:schemas-microsoft-com:vml" Requires="v">
-                <p:oleObj spid="_x0000_s43016" name="think-cell Slide" r:id="rId5" imgW="573" imgH="574" progId="TCLayout.ActiveDocument.1">
+                <p:oleObj spid="_x0000_s43019" name="think-cell Slide" r:id="rId5" imgW="573" imgH="574" progId="TCLayout.ActiveDocument.1">
                   <p:embed/>
                 </p:oleObj>
               </mc:Choice>
@@ -6752,10 +7038,10 @@
       </p:sp>
       <p:pic>
         <p:nvPicPr>
-          <p:cNvPr id="3" name="Picture 2">
-            <a:extLst>
-              <a:ext uri="{FF2B5EF4-FFF2-40B4-BE49-F238E27FC236}">
-                <a16:creationId xmlns:a16="http://schemas.microsoft.com/office/drawing/2014/main" id="{01DCE942-2423-474C-A720-FF32A1A85342}"/>
+          <p:cNvPr id="4" name="Picture 3">
+            <a:extLst>
+              <a:ext uri="{FF2B5EF4-FFF2-40B4-BE49-F238E27FC236}">
+                <a16:creationId xmlns:a16="http://schemas.microsoft.com/office/drawing/2014/main" id="{8CB68518-4E85-4C8A-B31D-BD71819DD110}"/>
               </a:ext>
             </a:extLst>
           </p:cNvPr>
@@ -6772,8 +7058,38 @@
         </p:blipFill>
         <p:spPr>
           <a:xfrm>
-            <a:off x="1595886" y="1520402"/>
-            <a:ext cx="8116903" cy="5201722"/>
+            <a:off x="6353175" y="1937609"/>
+            <a:ext cx="5641827" cy="3546747"/>
+          </a:xfrm>
+          <a:prstGeom prst="rect">
+            <a:avLst/>
+          </a:prstGeom>
+        </p:spPr>
+      </p:pic>
+      <p:pic>
+        <p:nvPicPr>
+          <p:cNvPr id="9" name="Picture 8">
+            <a:extLst>
+              <a:ext uri="{FF2B5EF4-FFF2-40B4-BE49-F238E27FC236}">
+                <a16:creationId xmlns:a16="http://schemas.microsoft.com/office/drawing/2014/main" id="{99CEBB2B-6D83-4918-9F09-7F46299A7709}"/>
+              </a:ext>
+            </a:extLst>
+          </p:cNvPr>
+          <p:cNvPicPr>
+            <a:picLocks noChangeAspect="1"/>
+          </p:cNvPicPr>
+          <p:nvPr/>
+        </p:nvPicPr>
+        <p:blipFill>
+          <a:blip r:embed="rId8"/>
+          <a:stretch>
+            <a:fillRect/>
+          </a:stretch>
+        </p:blipFill>
+        <p:spPr>
+          <a:xfrm>
+            <a:off x="1" y="2066926"/>
+            <a:ext cx="6191250" cy="3314257"/>
           </a:xfrm>
           <a:prstGeom prst="rect">
             <a:avLst/>
@@ -6841,7 +7157,7 @@
           <a:graphicData uri="http://schemas.openxmlformats.org/presentationml/2006/ole">
             <mc:AlternateContent xmlns:mc="http://schemas.openxmlformats.org/markup-compatibility/2006">
               <mc:Choice xmlns:v="urn:schemas-microsoft-com:vml" Requires="v">
-                <p:oleObj spid="_x0000_s44040" name="think-cell Slide" r:id="rId5" imgW="573" imgH="574" progId="TCLayout.ActiveDocument.1">
+                <p:oleObj spid="_x0000_s44043" name="think-cell Slide" r:id="rId5" imgW="573" imgH="574" progId="TCLayout.ActiveDocument.1">
                   <p:embed/>
                 </p:oleObj>
               </mc:Choice>
@@ -6969,10 +7285,10 @@
       </p:sp>
       <p:pic>
         <p:nvPicPr>
-          <p:cNvPr id="3" name="Picture 2">
-            <a:extLst>
-              <a:ext uri="{FF2B5EF4-FFF2-40B4-BE49-F238E27FC236}">
-                <a16:creationId xmlns:a16="http://schemas.microsoft.com/office/drawing/2014/main" id="{35AF6F28-8217-41FF-8F28-34F716038F6A}"/>
+          <p:cNvPr id="4" name="Picture 3">
+            <a:extLst>
+              <a:ext uri="{FF2B5EF4-FFF2-40B4-BE49-F238E27FC236}">
+                <a16:creationId xmlns:a16="http://schemas.microsoft.com/office/drawing/2014/main" id="{51AA66AC-FA75-49DF-BDFB-4B4F1B890D10}"/>
               </a:ext>
             </a:extLst>
           </p:cNvPr>
@@ -6989,8 +7305,38 @@
         </p:blipFill>
         <p:spPr>
           <a:xfrm>
-            <a:off x="1750455" y="1163596"/>
-            <a:ext cx="8691089" cy="5573633"/>
+            <a:off x="6103620" y="2098173"/>
+            <a:ext cx="5600847" cy="3690354"/>
+          </a:xfrm>
+          <a:prstGeom prst="rect">
+            <a:avLst/>
+          </a:prstGeom>
+        </p:spPr>
+      </p:pic>
+      <p:pic>
+        <p:nvPicPr>
+          <p:cNvPr id="7" name="Picture 6">
+            <a:extLst>
+              <a:ext uri="{FF2B5EF4-FFF2-40B4-BE49-F238E27FC236}">
+                <a16:creationId xmlns:a16="http://schemas.microsoft.com/office/drawing/2014/main" id="{3E37A7B2-4446-4322-9458-DC5842B19A96}"/>
+              </a:ext>
+            </a:extLst>
+          </p:cNvPr>
+          <p:cNvPicPr>
+            <a:picLocks noChangeAspect="1"/>
+          </p:cNvPicPr>
+          <p:nvPr/>
+        </p:nvPicPr>
+        <p:blipFill>
+          <a:blip r:embed="rId8"/>
+          <a:stretch>
+            <a:fillRect/>
+          </a:stretch>
+        </p:blipFill>
+        <p:spPr>
+          <a:xfrm>
+            <a:off x="176818" y="2079123"/>
+            <a:ext cx="5742364" cy="3652253"/>
           </a:xfrm>
           <a:prstGeom prst="rect">
             <a:avLst/>
@@ -7001,6 +7347,247 @@
     <p:extLst>
       <p:ext uri="{BB962C8B-B14F-4D97-AF65-F5344CB8AC3E}">
         <p14:creationId xmlns:p14="http://schemas.microsoft.com/office/powerpoint/2010/main" val="3500707932"/>
+      </p:ext>
+    </p:extLst>
+  </p:cSld>
+  <p:clrMapOvr>
+    <a:masterClrMapping/>
+  </p:clrMapOvr>
+</p:sld>
+</file>
+
+<file path=ppt/slides/slide17.xml><?xml version="1.0" encoding="utf-8"?>
+<p:sld xmlns:a="http://schemas.openxmlformats.org/drawingml/2006/main" xmlns:r="http://schemas.openxmlformats.org/officeDocument/2006/relationships" xmlns:p="http://schemas.openxmlformats.org/presentationml/2006/main">
+  <p:cSld>
+    <p:spTree>
+      <p:nvGrpSpPr>
+        <p:cNvPr id="1" name=""/>
+        <p:cNvGrpSpPr/>
+        <p:nvPr/>
+      </p:nvGrpSpPr>
+      <p:grpSpPr>
+        <a:xfrm>
+          <a:off x="0" y="0"/>
+          <a:ext cx="0" cy="0"/>
+          <a:chOff x="0" y="0"/>
+          <a:chExt cx="0" cy="0"/>
+        </a:xfrm>
+      </p:grpSpPr>
+      <p:graphicFrame>
+        <p:nvGraphicFramePr>
+          <p:cNvPr id="9" name="Object 8" hidden="1">
+            <a:extLst>
+              <a:ext uri="{FF2B5EF4-FFF2-40B4-BE49-F238E27FC236}">
+                <a16:creationId xmlns:a16="http://schemas.microsoft.com/office/drawing/2014/main" id="{89C744DD-D25F-455E-9512-9360D7F14DED}"/>
+              </a:ext>
+            </a:extLst>
+          </p:cNvPr>
+          <p:cNvGraphicFramePr>
+            <a:graphicFrameLocks noChangeAspect="1"/>
+          </p:cNvGraphicFramePr>
+          <p:nvPr>
+            <p:custDataLst>
+              <p:tags r:id="rId2"/>
+            </p:custDataLst>
+            <p:extLst>
+              <p:ext uri="{D42A27DB-BD31-4B8C-83A1-F6EECF244321}">
+                <p14:modId xmlns:p14="http://schemas.microsoft.com/office/powerpoint/2010/main" val="2202651410"/>
+              </p:ext>
+            </p:extLst>
+          </p:nvPr>
+        </p:nvGraphicFramePr>
+        <p:xfrm>
+          <a:off x="1588" y="1588"/>
+          <a:ext cx="1588" cy="1588"/>
+        </p:xfrm>
+        <a:graphic>
+          <a:graphicData uri="http://schemas.openxmlformats.org/presentationml/2006/ole">
+            <mc:AlternateContent xmlns:mc="http://schemas.openxmlformats.org/markup-compatibility/2006">
+              <mc:Choice xmlns:v="urn:schemas-microsoft-com:vml" Requires="v">
+                <p:oleObj spid="_x0000_s40972" name="think-cell Slide" r:id="rId5" imgW="573" imgH="574" progId="TCLayout.ActiveDocument.1">
+                  <p:embed/>
+                </p:oleObj>
+              </mc:Choice>
+              <mc:Fallback>
+                <p:oleObj name="think-cell Slide" r:id="rId5" imgW="573" imgH="574" progId="TCLayout.ActiveDocument.1">
+                  <p:embed/>
+                  <p:pic>
+                    <p:nvPicPr>
+                      <p:cNvPr id="0" name=""/>
+                      <p:cNvPicPr/>
+                      <p:nvPr/>
+                    </p:nvPicPr>
+                    <p:blipFill>
+                      <a:blip r:embed="rId6"/>
+                      <a:stretch>
+                        <a:fillRect/>
+                      </a:stretch>
+                    </p:blipFill>
+                    <p:spPr>
+                      <a:xfrm>
+                        <a:off x="1588" y="1588"/>
+                        <a:ext cx="1588" cy="1588"/>
+                      </a:xfrm>
+                      <a:prstGeom prst="rect">
+                        <a:avLst/>
+                      </a:prstGeom>
+                    </p:spPr>
+                  </p:pic>
+                </p:oleObj>
+              </mc:Fallback>
+            </mc:AlternateContent>
+          </a:graphicData>
+        </a:graphic>
+      </p:graphicFrame>
+      <p:sp>
+        <p:nvSpPr>
+          <p:cNvPr id="8" name="Rectangle 7" hidden="1">
+            <a:extLst>
+              <a:ext uri="{FF2B5EF4-FFF2-40B4-BE49-F238E27FC236}">
+                <a16:creationId xmlns:a16="http://schemas.microsoft.com/office/drawing/2014/main" id="{1B221499-45CB-49CE-913C-C43CAABD4842}"/>
+              </a:ext>
+            </a:extLst>
+          </p:cNvPr>
+          <p:cNvSpPr/>
+          <p:nvPr>
+            <p:custDataLst>
+              <p:tags r:id="rId3"/>
+            </p:custDataLst>
+          </p:nvPr>
+        </p:nvSpPr>
+        <p:spPr>
+          <a:xfrm>
+            <a:off x="0" y="0"/>
+            <a:ext cx="158750" cy="158750"/>
+          </a:xfrm>
+          <a:prstGeom prst="rect">
+            <a:avLst/>
+          </a:prstGeom>
+        </p:spPr>
+        <p:style>
+          <a:lnRef idx="2">
+            <a:schemeClr val="accent1">
+              <a:shade val="50000"/>
+            </a:schemeClr>
+          </a:lnRef>
+          <a:fillRef idx="1">
+            <a:schemeClr val="accent1"/>
+          </a:fillRef>
+          <a:effectRef idx="0">
+            <a:schemeClr val="accent1"/>
+          </a:effectRef>
+          <a:fontRef idx="minor">
+            <a:schemeClr val="lt1"/>
+          </a:fontRef>
+        </p:style>
+        <p:txBody>
+          <a:bodyPr wrap="none" lIns="0" tIns="0" rIns="0" bIns="0" numCol="1" spcCol="0" rtlCol="0" anchor="ctr" anchorCtr="0">
+            <a:noAutofit/>
+          </a:bodyPr>
+          <a:lstStyle/>
+          <a:p>
+            <a:pPr algn="ctr"/>
+            <a:endParaRPr lang="en-US" sz="4400" dirty="0">
+              <a:latin typeface="Calibri Light" panose="020F0302020204030204" pitchFamily="34" charset="0"/>
+              <a:ea typeface="+mj-ea"/>
+              <a:cs typeface="+mj-cs"/>
+              <a:sym typeface="Calibri Light" panose="020F0302020204030204" pitchFamily="34" charset="0"/>
+            </a:endParaRPr>
+          </a:p>
+        </p:txBody>
+      </p:sp>
+      <p:sp>
+        <p:nvSpPr>
+          <p:cNvPr id="2" name="Title 1">
+            <a:extLst>
+              <a:ext uri="{FF2B5EF4-FFF2-40B4-BE49-F238E27FC236}">
+                <a16:creationId xmlns:a16="http://schemas.microsoft.com/office/drawing/2014/main" id="{60C2FF1B-1682-4027-894F-4F9436F28EEB}"/>
+              </a:ext>
+            </a:extLst>
+          </p:cNvPr>
+          <p:cNvSpPr>
+            <a:spLocks noGrp="1"/>
+          </p:cNvSpPr>
+          <p:nvPr>
+            <p:ph type="title"/>
+          </p:nvPr>
+        </p:nvSpPr>
+        <p:spPr/>
+        <p:txBody>
+          <a:bodyPr/>
+          <a:lstStyle/>
+          <a:p>
+            <a:r>
+              <a:rPr lang="en-US" dirty="0"/>
+              <a:t>Other Scatter Plots</a:t>
+            </a:r>
+          </a:p>
+        </p:txBody>
+      </p:sp>
+      <p:pic>
+        <p:nvPicPr>
+          <p:cNvPr id="6" name="Picture 5">
+            <a:extLst>
+              <a:ext uri="{FF2B5EF4-FFF2-40B4-BE49-F238E27FC236}">
+                <a16:creationId xmlns:a16="http://schemas.microsoft.com/office/drawing/2014/main" id="{5A17CA73-65CF-40B2-9FF9-ABAFEF53C7F3}"/>
+              </a:ext>
+            </a:extLst>
+          </p:cNvPr>
+          <p:cNvPicPr>
+            <a:picLocks noChangeAspect="1"/>
+          </p:cNvPicPr>
+          <p:nvPr/>
+        </p:nvPicPr>
+        <p:blipFill>
+          <a:blip r:embed="rId7"/>
+          <a:stretch>
+            <a:fillRect/>
+          </a:stretch>
+        </p:blipFill>
+        <p:spPr>
+          <a:xfrm>
+            <a:off x="61711" y="1737191"/>
+            <a:ext cx="5871049" cy="4856959"/>
+          </a:xfrm>
+          <a:prstGeom prst="rect">
+            <a:avLst/>
+          </a:prstGeom>
+        </p:spPr>
+      </p:pic>
+      <p:pic>
+        <p:nvPicPr>
+          <p:cNvPr id="7" name="Picture 6">
+            <a:extLst>
+              <a:ext uri="{FF2B5EF4-FFF2-40B4-BE49-F238E27FC236}">
+                <a16:creationId xmlns:a16="http://schemas.microsoft.com/office/drawing/2014/main" id="{1A3223A3-0495-4FDD-93A0-413AC9B8CD83}"/>
+              </a:ext>
+            </a:extLst>
+          </p:cNvPr>
+          <p:cNvPicPr>
+            <a:picLocks noChangeAspect="1"/>
+          </p:cNvPicPr>
+          <p:nvPr/>
+        </p:nvPicPr>
+        <p:blipFill>
+          <a:blip r:embed="rId8"/>
+          <a:stretch>
+            <a:fillRect/>
+          </a:stretch>
+        </p:blipFill>
+        <p:spPr>
+          <a:xfrm>
+            <a:off x="5932760" y="1737192"/>
+            <a:ext cx="5871048" cy="4856958"/>
+          </a:xfrm>
+          <a:prstGeom prst="rect">
+            <a:avLst/>
+          </a:prstGeom>
+        </p:spPr>
+      </p:pic>
+    </p:spTree>
+    <p:extLst>
+      <p:ext uri="{BB962C8B-B14F-4D97-AF65-F5344CB8AC3E}">
+        <p14:creationId xmlns:p14="http://schemas.microsoft.com/office/powerpoint/2010/main" val="2607328939"/>
       </p:ext>
     </p:extLst>
   </p:cSld>
@@ -7053,7 +7640,7 @@
           <a:graphicData uri="http://schemas.openxmlformats.org/presentationml/2006/ole">
             <mc:AlternateContent xmlns:mc="http://schemas.openxmlformats.org/markup-compatibility/2006">
               <mc:Choice xmlns:v="urn:schemas-microsoft-com:vml" Requires="v">
-                <p:oleObj spid="_x0000_s45061" name="think-cell Slide" r:id="rId5" imgW="573" imgH="574" progId="TCLayout.ActiveDocument.1">
+                <p:oleObj spid="_x0000_s45063" name="think-cell Slide" r:id="rId5" imgW="573" imgH="574" progId="TCLayout.ActiveDocument.1">
                   <p:embed/>
                 </p:oleObj>
               </mc:Choice>
@@ -7305,7 +7892,7 @@
           <a:graphicData uri="http://schemas.openxmlformats.org/presentationml/2006/ole">
             <mc:AlternateContent xmlns:mc="http://schemas.openxmlformats.org/markup-compatibility/2006">
               <mc:Choice xmlns:v="urn:schemas-microsoft-com:vml" Requires="v">
-                <p:oleObj spid="_x0000_s35854" name="think-cell Slide" r:id="rId5" imgW="573" imgH="574" progId="TCLayout.ActiveDocument.1">
+                <p:oleObj spid="_x0000_s35856" name="think-cell Slide" r:id="rId5" imgW="573" imgH="574" progId="TCLayout.ActiveDocument.1">
                   <p:embed/>
                 </p:oleObj>
               </mc:Choice>
@@ -7521,7 +8108,7 @@
           <a:graphicData uri="http://schemas.openxmlformats.org/presentationml/2006/ole">
             <mc:AlternateContent xmlns:mc="http://schemas.openxmlformats.org/markup-compatibility/2006">
               <mc:Choice xmlns:v="urn:schemas-microsoft-com:vml" Requires="v">
-                <p:oleObj spid="_x0000_s36879" name="think-cell Slide" r:id="rId5" imgW="573" imgH="574" progId="TCLayout.ActiveDocument.1">
+                <p:oleObj spid="_x0000_s36881" name="think-cell Slide" r:id="rId5" imgW="573" imgH="574" progId="TCLayout.ActiveDocument.1">
                   <p:embed/>
                 </p:oleObj>
               </mc:Choice>
@@ -7733,10 +8320,10 @@
       </p:grpSpPr>
       <p:graphicFrame>
         <p:nvGraphicFramePr>
-          <p:cNvPr id="7" name="Object 6" hidden="1">
-            <a:extLst>
-              <a:ext uri="{FF2B5EF4-FFF2-40B4-BE49-F238E27FC236}">
-                <a16:creationId xmlns:a16="http://schemas.microsoft.com/office/drawing/2014/main" id="{C65F09D6-B689-487A-8409-2551DAEF239A}"/>
+          <p:cNvPr id="6" name="Object 5" hidden="1">
+            <a:extLst>
+              <a:ext uri="{FF2B5EF4-FFF2-40B4-BE49-F238E27FC236}">
+                <a16:creationId xmlns:a16="http://schemas.microsoft.com/office/drawing/2014/main" id="{D12A8FA3-0628-4659-94D1-6F5C2D396915}"/>
               </a:ext>
             </a:extLst>
           </p:cNvPr>
@@ -7749,7 +8336,7 @@
             </p:custDataLst>
             <p:extLst>
               <p:ext uri="{D42A27DB-BD31-4B8C-83A1-F6EECF244321}">
-                <p14:modId xmlns:p14="http://schemas.microsoft.com/office/powerpoint/2010/main" val="2890146593"/>
+                <p14:modId xmlns:p14="http://schemas.microsoft.com/office/powerpoint/2010/main" val="3844407444"/>
               </p:ext>
             </p:extLst>
           </p:nvPr>
@@ -7762,7 +8349,254 @@
           <a:graphicData uri="http://schemas.openxmlformats.org/presentationml/2006/ole">
             <mc:AlternateContent xmlns:mc="http://schemas.openxmlformats.org/markup-compatibility/2006">
               <mc:Choice xmlns:v="urn:schemas-microsoft-com:vml" Requires="v">
-                <p:oleObj spid="_x0000_s37904" name="think-cell Slide" r:id="rId5" imgW="573" imgH="574" progId="TCLayout.ActiveDocument.1">
+                <p:oleObj spid="_x0000_s51205" name="think-cell Slide" r:id="rId5" imgW="573" imgH="574" progId="TCLayout.ActiveDocument.1">
+                  <p:embed/>
+                </p:oleObj>
+              </mc:Choice>
+              <mc:Fallback>
+                <p:oleObj name="think-cell Slide" r:id="rId5" imgW="573" imgH="574" progId="TCLayout.ActiveDocument.1">
+                  <p:embed/>
+                  <p:pic>
+                    <p:nvPicPr>
+                      <p:cNvPr id="6" name="Object 5" hidden="1">
+                        <a:extLst>
+                          <a:ext uri="{FF2B5EF4-FFF2-40B4-BE49-F238E27FC236}">
+                            <a16:creationId xmlns:a16="http://schemas.microsoft.com/office/drawing/2014/main" id="{D12A8FA3-0628-4659-94D1-6F5C2D396915}"/>
+                          </a:ext>
+                        </a:extLst>
+                      </p:cNvPr>
+                      <p:cNvPicPr/>
+                      <p:nvPr/>
+                    </p:nvPicPr>
+                    <p:blipFill>
+                      <a:blip r:embed="rId6"/>
+                      <a:stretch>
+                        <a:fillRect/>
+                      </a:stretch>
+                    </p:blipFill>
+                    <p:spPr>
+                      <a:xfrm>
+                        <a:off x="1588" y="1588"/>
+                        <a:ext cx="1588" cy="1588"/>
+                      </a:xfrm>
+                      <a:prstGeom prst="rect">
+                        <a:avLst/>
+                      </a:prstGeom>
+                    </p:spPr>
+                  </p:pic>
+                </p:oleObj>
+              </mc:Fallback>
+            </mc:AlternateContent>
+          </a:graphicData>
+        </a:graphic>
+      </p:graphicFrame>
+      <p:sp>
+        <p:nvSpPr>
+          <p:cNvPr id="5" name="Rectangle 4" hidden="1">
+            <a:extLst>
+              <a:ext uri="{FF2B5EF4-FFF2-40B4-BE49-F238E27FC236}">
+                <a16:creationId xmlns:a16="http://schemas.microsoft.com/office/drawing/2014/main" id="{C196CA92-F5F5-4A1B-8FEB-C00E0379EC94}"/>
+              </a:ext>
+            </a:extLst>
+          </p:cNvPr>
+          <p:cNvSpPr/>
+          <p:nvPr>
+            <p:custDataLst>
+              <p:tags r:id="rId3"/>
+            </p:custDataLst>
+          </p:nvPr>
+        </p:nvSpPr>
+        <p:spPr>
+          <a:xfrm>
+            <a:off x="0" y="0"/>
+            <a:ext cx="158750" cy="158750"/>
+          </a:xfrm>
+          <a:prstGeom prst="rect">
+            <a:avLst/>
+          </a:prstGeom>
+        </p:spPr>
+        <p:style>
+          <a:lnRef idx="2">
+            <a:schemeClr val="accent1">
+              <a:shade val="50000"/>
+            </a:schemeClr>
+          </a:lnRef>
+          <a:fillRef idx="1">
+            <a:schemeClr val="accent1"/>
+          </a:fillRef>
+          <a:effectRef idx="0">
+            <a:schemeClr val="accent1"/>
+          </a:effectRef>
+          <a:fontRef idx="minor">
+            <a:schemeClr val="lt1"/>
+          </a:fontRef>
+        </p:style>
+        <p:txBody>
+          <a:bodyPr wrap="none" lIns="0" tIns="0" rIns="0" bIns="0" numCol="1" spcCol="0" rtlCol="0" anchor="ctr" anchorCtr="0">
+            <a:noAutofit/>
+          </a:bodyPr>
+          <a:lstStyle/>
+          <a:p>
+            <a:pPr algn="ctr"/>
+            <a:endParaRPr lang="en-US" sz="4400" dirty="0">
+              <a:latin typeface="Calibri Light" panose="020F0302020204030204" pitchFamily="34" charset="0"/>
+              <a:ea typeface="+mj-ea"/>
+              <a:cs typeface="+mj-cs"/>
+              <a:sym typeface="Calibri Light" panose="020F0302020204030204" pitchFamily="34" charset="0"/>
+            </a:endParaRPr>
+          </a:p>
+        </p:txBody>
+      </p:sp>
+      <p:sp>
+        <p:nvSpPr>
+          <p:cNvPr id="2" name="Title 1">
+            <a:extLst>
+              <a:ext uri="{FF2B5EF4-FFF2-40B4-BE49-F238E27FC236}">
+                <a16:creationId xmlns:a16="http://schemas.microsoft.com/office/drawing/2014/main" id="{AB72A562-FAEA-4670-B2A9-39BAA91DA0F8}"/>
+              </a:ext>
+            </a:extLst>
+          </p:cNvPr>
+          <p:cNvSpPr>
+            <a:spLocks noGrp="1"/>
+          </p:cNvSpPr>
+          <p:nvPr>
+            <p:ph type="title"/>
+          </p:nvPr>
+        </p:nvSpPr>
+        <p:spPr/>
+        <p:txBody>
+          <a:bodyPr/>
+          <a:lstStyle/>
+          <a:p>
+            <a:r>
+              <a:rPr lang="en-US" dirty="0"/>
+              <a:t>PFF increases by experience, indicating only better players survive (&gt;50 snaps)</a:t>
+            </a:r>
+          </a:p>
+        </p:txBody>
+      </p:sp>
+      <p:pic>
+        <p:nvPicPr>
+          <p:cNvPr id="3" name="Picture 2">
+            <a:extLst>
+              <a:ext uri="{FF2B5EF4-FFF2-40B4-BE49-F238E27FC236}">
+                <a16:creationId xmlns:a16="http://schemas.microsoft.com/office/drawing/2014/main" id="{8183FE58-2ED0-42D2-9EA4-998095F0AEC5}"/>
+              </a:ext>
+            </a:extLst>
+          </p:cNvPr>
+          <p:cNvPicPr>
+            <a:picLocks noChangeAspect="1"/>
+          </p:cNvPicPr>
+          <p:nvPr/>
+        </p:nvPicPr>
+        <p:blipFill>
+          <a:blip r:embed="rId7"/>
+          <a:stretch>
+            <a:fillRect/>
+          </a:stretch>
+        </p:blipFill>
+        <p:spPr>
+          <a:xfrm>
+            <a:off x="782775" y="1491643"/>
+            <a:ext cx="5222651" cy="4413141"/>
+          </a:xfrm>
+          <a:prstGeom prst="rect">
+            <a:avLst/>
+          </a:prstGeom>
+        </p:spPr>
+      </p:pic>
+      <p:pic>
+        <p:nvPicPr>
+          <p:cNvPr id="8" name="Picture 7">
+            <a:extLst>
+              <a:ext uri="{FF2B5EF4-FFF2-40B4-BE49-F238E27FC236}">
+                <a16:creationId xmlns:a16="http://schemas.microsoft.com/office/drawing/2014/main" id="{D23749B0-B489-494B-8DE1-249647316D04}"/>
+              </a:ext>
+            </a:extLst>
+          </p:cNvPr>
+          <p:cNvPicPr>
+            <a:picLocks noChangeAspect="1"/>
+          </p:cNvPicPr>
+          <p:nvPr/>
+        </p:nvPicPr>
+        <p:blipFill>
+          <a:blip r:embed="rId8"/>
+          <a:stretch>
+            <a:fillRect/>
+          </a:stretch>
+        </p:blipFill>
+        <p:spPr>
+          <a:xfrm>
+            <a:off x="6243960" y="1501176"/>
+            <a:ext cx="5330820" cy="4504544"/>
+          </a:xfrm>
+          <a:prstGeom prst="rect">
+            <a:avLst/>
+          </a:prstGeom>
+        </p:spPr>
+      </p:pic>
+    </p:spTree>
+    <p:extLst>
+      <p:ext uri="{BB962C8B-B14F-4D97-AF65-F5344CB8AC3E}">
+        <p14:creationId xmlns:p14="http://schemas.microsoft.com/office/powerpoint/2010/main" val="203073354"/>
+      </p:ext>
+    </p:extLst>
+  </p:cSld>
+  <p:clrMapOvr>
+    <a:masterClrMapping/>
+  </p:clrMapOvr>
+</p:sld>
+</file>
+
+<file path=ppt/slides/slide6.xml><?xml version="1.0" encoding="utf-8"?>
+<p:sld xmlns:a="http://schemas.openxmlformats.org/drawingml/2006/main" xmlns:r="http://schemas.openxmlformats.org/officeDocument/2006/relationships" xmlns:p="http://schemas.openxmlformats.org/presentationml/2006/main">
+  <p:cSld>
+    <p:spTree>
+      <p:nvGrpSpPr>
+        <p:cNvPr id="1" name=""/>
+        <p:cNvGrpSpPr/>
+        <p:nvPr/>
+      </p:nvGrpSpPr>
+      <p:grpSpPr>
+        <a:xfrm>
+          <a:off x="0" y="0"/>
+          <a:ext cx="0" cy="0"/>
+          <a:chOff x="0" y="0"/>
+          <a:chExt cx="0" cy="0"/>
+        </a:xfrm>
+      </p:grpSpPr>
+      <p:graphicFrame>
+        <p:nvGraphicFramePr>
+          <p:cNvPr id="7" name="Object 6" hidden="1">
+            <a:extLst>
+              <a:ext uri="{FF2B5EF4-FFF2-40B4-BE49-F238E27FC236}">
+                <a16:creationId xmlns:a16="http://schemas.microsoft.com/office/drawing/2014/main" id="{C65F09D6-B689-487A-8409-2551DAEF239A}"/>
+              </a:ext>
+            </a:extLst>
+          </p:cNvPr>
+          <p:cNvGraphicFramePr>
+            <a:graphicFrameLocks noChangeAspect="1"/>
+          </p:cNvGraphicFramePr>
+          <p:nvPr>
+            <p:custDataLst>
+              <p:tags r:id="rId2"/>
+            </p:custDataLst>
+            <p:extLst>
+              <p:ext uri="{D42A27DB-BD31-4B8C-83A1-F6EECF244321}">
+                <p14:modId xmlns:p14="http://schemas.microsoft.com/office/powerpoint/2010/main" val="2890146593"/>
+              </p:ext>
+            </p:extLst>
+          </p:nvPr>
+        </p:nvGraphicFramePr>
+        <p:xfrm>
+          <a:off x="1588" y="1588"/>
+          <a:ext cx="1588" cy="1588"/>
+        </p:xfrm>
+        <a:graphic>
+          <a:graphicData uri="http://schemas.openxmlformats.org/presentationml/2006/ole">
+            <mc:AlternateContent xmlns:mc="http://schemas.openxmlformats.org/markup-compatibility/2006">
+              <mc:Choice xmlns:v="urn:schemas-microsoft-com:vml" Requires="v">
+                <p:oleObj spid="_x0000_s37908" name="think-cell Slide" r:id="rId5" imgW="573" imgH="574" progId="TCLayout.ActiveDocument.1">
                   <p:embed/>
                 </p:oleObj>
               </mc:Choice>
@@ -7884,10 +8718,10 @@
       </p:sp>
       <p:pic>
         <p:nvPicPr>
-          <p:cNvPr id="3" name="Picture 2">
-            <a:extLst>
-              <a:ext uri="{FF2B5EF4-FFF2-40B4-BE49-F238E27FC236}">
-                <a16:creationId xmlns:a16="http://schemas.microsoft.com/office/drawing/2014/main" id="{BC49A699-BE44-47D8-9695-F6A47FD21475}"/>
+          <p:cNvPr id="9" name="Picture 8">
+            <a:extLst>
+              <a:ext uri="{FF2B5EF4-FFF2-40B4-BE49-F238E27FC236}">
+                <a16:creationId xmlns:a16="http://schemas.microsoft.com/office/drawing/2014/main" id="{A346F0E9-8D86-4E24-91D7-A77D0423866A}"/>
               </a:ext>
             </a:extLst>
           </p:cNvPr>
@@ -7904,8 +8738,8 @@
         </p:blipFill>
         <p:spPr>
           <a:xfrm>
-            <a:off x="802257" y="1483809"/>
-            <a:ext cx="5102014" cy="4788605"/>
+            <a:off x="569272" y="1321535"/>
+            <a:ext cx="5359298" cy="5536465"/>
           </a:xfrm>
           <a:prstGeom prst="rect">
             <a:avLst/>
@@ -7914,10 +8748,10 @@
       </p:pic>
       <p:pic>
         <p:nvPicPr>
-          <p:cNvPr id="8" name="Picture 7">
-            <a:extLst>
-              <a:ext uri="{FF2B5EF4-FFF2-40B4-BE49-F238E27FC236}">
-                <a16:creationId xmlns:a16="http://schemas.microsoft.com/office/drawing/2014/main" id="{F63EC379-BCCD-4475-B681-D4B6220E451E}"/>
+          <p:cNvPr id="10" name="Picture 9">
+            <a:extLst>
+              <a:ext uri="{FF2B5EF4-FFF2-40B4-BE49-F238E27FC236}">
+                <a16:creationId xmlns:a16="http://schemas.microsoft.com/office/drawing/2014/main" id="{462BAF64-9DCD-46F4-960B-32F6916DE129}"/>
               </a:ext>
             </a:extLst>
           </p:cNvPr>
@@ -7934,8 +8768,8 @@
         </p:blipFill>
         <p:spPr>
           <a:xfrm>
-            <a:off x="6551106" y="1570675"/>
-            <a:ext cx="5009463" cy="4701739"/>
+            <a:off x="6263432" y="1321537"/>
+            <a:ext cx="5359296" cy="5536463"/>
           </a:xfrm>
           <a:prstGeom prst="rect">
             <a:avLst/>
@@ -7955,7 +8789,7 @@
 </p:sld>
 </file>
 
-<file path=ppt/slides/slide6.xml><?xml version="1.0" encoding="utf-8"?>
+<file path=ppt/slides/slide7.xml><?xml version="1.0" encoding="utf-8"?>
 <p:sld xmlns:a="http://schemas.openxmlformats.org/drawingml/2006/main" xmlns:r="http://schemas.openxmlformats.org/officeDocument/2006/relationships" xmlns:p="http://schemas.openxmlformats.org/presentationml/2006/main">
   <p:cSld>
     <p:spTree>
@@ -8003,7 +8837,7 @@
           <a:graphicData uri="http://schemas.openxmlformats.org/presentationml/2006/ole">
             <mc:AlternateContent xmlns:mc="http://schemas.openxmlformats.org/markup-compatibility/2006">
               <mc:Choice xmlns:v="urn:schemas-microsoft-com:vml" Requires="v">
-                <p:oleObj spid="_x0000_s46085" name="think-cell Slide" r:id="rId5" imgW="573" imgH="574" progId="TCLayout.ActiveDocument.1">
+                <p:oleObj spid="_x0000_s46089" name="think-cell Slide" r:id="rId5" imgW="573" imgH="574" progId="TCLayout.ActiveDocument.1">
                   <p:embed/>
                 </p:oleObj>
               </mc:Choice>
@@ -8151,8 +8985,38 @@
         </p:blipFill>
         <p:spPr>
           <a:xfrm>
-            <a:off x="3484145" y="2193646"/>
-            <a:ext cx="5904270" cy="3788229"/>
+            <a:off x="180690" y="2076450"/>
+            <a:ext cx="6335938" cy="4065191"/>
+          </a:xfrm>
+          <a:prstGeom prst="rect">
+            <a:avLst/>
+          </a:prstGeom>
+        </p:spPr>
+      </p:pic>
+      <p:pic>
+        <p:nvPicPr>
+          <p:cNvPr id="3" name="Picture 2">
+            <a:extLst>
+              <a:ext uri="{FF2B5EF4-FFF2-40B4-BE49-F238E27FC236}">
+                <a16:creationId xmlns:a16="http://schemas.microsoft.com/office/drawing/2014/main" id="{5FB43C64-D495-454F-A1CE-EC833BA9C6DB}"/>
+              </a:ext>
+            </a:extLst>
+          </p:cNvPr>
+          <p:cNvPicPr>
+            <a:picLocks noChangeAspect="1"/>
+          </p:cNvPicPr>
+          <p:nvPr/>
+        </p:nvPicPr>
+        <p:blipFill>
+          <a:blip r:embed="rId8"/>
+          <a:stretch>
+            <a:fillRect/>
+          </a:stretch>
+        </p:blipFill>
+        <p:spPr>
+          <a:xfrm>
+            <a:off x="6734175" y="1419225"/>
+            <a:ext cx="4750689" cy="4903391"/>
           </a:xfrm>
           <a:prstGeom prst="rect">
             <a:avLst/>
@@ -8172,7 +9036,7 @@
 </p:sld>
 </file>
 
-<file path=ppt/slides/slide7.xml><?xml version="1.0" encoding="utf-8"?>
+<file path=ppt/slides/slide8.xml><?xml version="1.0" encoding="utf-8"?>
 <p:sld xmlns:a="http://schemas.openxmlformats.org/drawingml/2006/main" xmlns:r="http://schemas.openxmlformats.org/officeDocument/2006/relationships" xmlns:p="http://schemas.openxmlformats.org/presentationml/2006/main">
   <p:cSld>
     <p:spTree>
@@ -8191,10 +9055,10 @@
       </p:grpSpPr>
       <p:graphicFrame>
         <p:nvGraphicFramePr>
-          <p:cNvPr id="6" name="Object 5" hidden="1">
-            <a:extLst>
-              <a:ext uri="{FF2B5EF4-FFF2-40B4-BE49-F238E27FC236}">
-                <a16:creationId xmlns:a16="http://schemas.microsoft.com/office/drawing/2014/main" id="{6FC64321-E39C-4858-9A7E-4FF474CC4195}"/>
+          <p:cNvPr id="5" name="Object 4" hidden="1">
+            <a:extLst>
+              <a:ext uri="{FF2B5EF4-FFF2-40B4-BE49-F238E27FC236}">
+                <a16:creationId xmlns:a16="http://schemas.microsoft.com/office/drawing/2014/main" id="{9875DDA4-05B8-4350-8220-CA542F2E5A3C}"/>
               </a:ext>
             </a:extLst>
           </p:cNvPr>
@@ -8207,7 +9071,7 @@
             </p:custDataLst>
             <p:extLst>
               <p:ext uri="{D42A27DB-BD31-4B8C-83A1-F6EECF244321}">
-                <p14:modId xmlns:p14="http://schemas.microsoft.com/office/powerpoint/2010/main" val="1261543911"/>
+                <p14:modId xmlns:p14="http://schemas.microsoft.com/office/powerpoint/2010/main" val="1240194870"/>
               </p:ext>
             </p:extLst>
           </p:nvPr>
@@ -8220,7 +9084,7 @@
           <a:graphicData uri="http://schemas.openxmlformats.org/presentationml/2006/ole">
             <mc:AlternateContent xmlns:mc="http://schemas.openxmlformats.org/markup-compatibility/2006">
               <mc:Choice xmlns:v="urn:schemas-microsoft-com:vml" Requires="v">
-                <p:oleObj spid="_x0000_s38927" name="think-cell Slide" r:id="rId5" imgW="573" imgH="574" progId="TCLayout.ActiveDocument.1">
+                <p:oleObj spid="_x0000_s52229" name="think-cell Slide" r:id="rId5" imgW="573" imgH="574" progId="TCLayout.ActiveDocument.1">
                   <p:embed/>
                 </p:oleObj>
               </mc:Choice>
@@ -8257,10 +9121,10 @@
       </p:graphicFrame>
       <p:sp>
         <p:nvSpPr>
-          <p:cNvPr id="5" name="Rectangle 4" hidden="1">
-            <a:extLst>
-              <a:ext uri="{FF2B5EF4-FFF2-40B4-BE49-F238E27FC236}">
-                <a16:creationId xmlns:a16="http://schemas.microsoft.com/office/drawing/2014/main" id="{82ABB2DD-CA82-45A9-BF5E-90C067184B8B}"/>
+          <p:cNvPr id="6" name="Rectangle 5" hidden="1">
+            <a:extLst>
+              <a:ext uri="{FF2B5EF4-FFF2-40B4-BE49-F238E27FC236}">
+                <a16:creationId xmlns:a16="http://schemas.microsoft.com/office/drawing/2014/main" id="{036BE55C-55C1-4E5A-BFA9-8B73311DB98F}"/>
               </a:ext>
             </a:extLst>
           </p:cNvPr>
@@ -8317,7 +9181,7 @@
           <p:cNvPr id="2" name="Title 1">
             <a:extLst>
               <a:ext uri="{FF2B5EF4-FFF2-40B4-BE49-F238E27FC236}">
-                <a16:creationId xmlns:a16="http://schemas.microsoft.com/office/drawing/2014/main" id="{1378C9F6-3894-4094-A61B-6E075EB05B67}"/>
+                <a16:creationId xmlns:a16="http://schemas.microsoft.com/office/drawing/2014/main" id="{6A0DDD33-9801-41A4-9629-26CCD7595AB0}"/>
               </a:ext>
             </a:extLst>
           </p:cNvPr>
@@ -8335,17 +9199,17 @@
           <a:p>
             <a:r>
               <a:rPr lang="en-US" dirty="0"/>
-              <a:t>PFF can predict future PFF</a:t>
+              <a:t>Snaps are very important association of Adjusted PFF</a:t>
             </a:r>
           </a:p>
         </p:txBody>
       </p:sp>
       <p:pic>
         <p:nvPicPr>
-          <p:cNvPr id="7" name="Picture 6">
-            <a:extLst>
-              <a:ext uri="{FF2B5EF4-FFF2-40B4-BE49-F238E27FC236}">
-                <a16:creationId xmlns:a16="http://schemas.microsoft.com/office/drawing/2014/main" id="{A6D7FDDC-19E3-4999-A175-0B592717D61B}"/>
+          <p:cNvPr id="4" name="Picture 3">
+            <a:extLst>
+              <a:ext uri="{FF2B5EF4-FFF2-40B4-BE49-F238E27FC236}">
+                <a16:creationId xmlns:a16="http://schemas.microsoft.com/office/drawing/2014/main" id="{8EE9440B-8E7F-43FD-A446-B82FEF8C7515}"/>
               </a:ext>
             </a:extLst>
           </p:cNvPr>
@@ -8362,8 +9226,8 @@
         </p:blipFill>
         <p:spPr>
           <a:xfrm>
-            <a:off x="0" y="1822863"/>
-            <a:ext cx="6351458" cy="4075149"/>
+            <a:off x="364497" y="2051888"/>
+            <a:ext cx="5974871" cy="3134643"/>
           </a:xfrm>
           <a:prstGeom prst="rect">
             <a:avLst/>
@@ -8372,10 +9236,10 @@
       </p:pic>
       <p:pic>
         <p:nvPicPr>
-          <p:cNvPr id="3" name="Picture 2">
-            <a:extLst>
-              <a:ext uri="{FF2B5EF4-FFF2-40B4-BE49-F238E27FC236}">
-                <a16:creationId xmlns:a16="http://schemas.microsoft.com/office/drawing/2014/main" id="{02177D9C-4323-4053-971A-9BCFCE362761}"/>
+          <p:cNvPr id="7" name="Picture 6">
+            <a:extLst>
+              <a:ext uri="{FF2B5EF4-FFF2-40B4-BE49-F238E27FC236}">
+                <a16:creationId xmlns:a16="http://schemas.microsoft.com/office/drawing/2014/main" id="{C7555B23-9039-453E-9664-164E6B71B5AC}"/>
               </a:ext>
             </a:extLst>
           </p:cNvPr>
@@ -8392,8 +9256,38 @@
         </p:blipFill>
         <p:spPr>
           <a:xfrm>
-            <a:off x="6702724" y="1589413"/>
-            <a:ext cx="4917056" cy="4613838"/>
+            <a:off x="6636762" y="926631"/>
+            <a:ext cx="4886325" cy="3135108"/>
+          </a:xfrm>
+          <a:prstGeom prst="rect">
+            <a:avLst/>
+          </a:prstGeom>
+        </p:spPr>
+      </p:pic>
+      <p:pic>
+        <p:nvPicPr>
+          <p:cNvPr id="8" name="Picture 7">
+            <a:extLst>
+              <a:ext uri="{FF2B5EF4-FFF2-40B4-BE49-F238E27FC236}">
+                <a16:creationId xmlns:a16="http://schemas.microsoft.com/office/drawing/2014/main" id="{A7DBD2CE-DDCD-4487-BDB9-2AD3AA1368EA}"/>
+              </a:ext>
+            </a:extLst>
+          </p:cNvPr>
+          <p:cNvPicPr>
+            <a:picLocks noChangeAspect="1"/>
+          </p:cNvPicPr>
+          <p:nvPr/>
+        </p:nvPicPr>
+        <p:blipFill>
+          <a:blip r:embed="rId9"/>
+          <a:stretch>
+            <a:fillRect/>
+          </a:stretch>
+        </p:blipFill>
+        <p:spPr>
+          <a:xfrm>
+            <a:off x="6636762" y="3966607"/>
+            <a:ext cx="5059938" cy="2891393"/>
           </a:xfrm>
           <a:prstGeom prst="rect">
             <a:avLst/>
@@ -8403,254 +9297,7 @@
     </p:spTree>
     <p:extLst>
       <p:ext uri="{BB962C8B-B14F-4D97-AF65-F5344CB8AC3E}">
-        <p14:creationId xmlns:p14="http://schemas.microsoft.com/office/powerpoint/2010/main" val="2930512362"/>
-      </p:ext>
-    </p:extLst>
-  </p:cSld>
-  <p:clrMapOvr>
-    <a:masterClrMapping/>
-  </p:clrMapOvr>
-</p:sld>
-</file>
-
-<file path=ppt/slides/slide8.xml><?xml version="1.0" encoding="utf-8"?>
-<p:sld xmlns:a="http://schemas.openxmlformats.org/drawingml/2006/main" xmlns:r="http://schemas.openxmlformats.org/officeDocument/2006/relationships" xmlns:p="http://schemas.openxmlformats.org/presentationml/2006/main">
-  <p:cSld>
-    <p:spTree>
-      <p:nvGrpSpPr>
-        <p:cNvPr id="1" name=""/>
-        <p:cNvGrpSpPr/>
-        <p:nvPr/>
-      </p:nvGrpSpPr>
-      <p:grpSpPr>
-        <a:xfrm>
-          <a:off x="0" y="0"/>
-          <a:ext cx="0" cy="0"/>
-          <a:chOff x="0" y="0"/>
-          <a:chExt cx="0" cy="0"/>
-        </a:xfrm>
-      </p:grpSpPr>
-      <p:graphicFrame>
-        <p:nvGraphicFramePr>
-          <p:cNvPr id="6" name="Object 5" hidden="1">
-            <a:extLst>
-              <a:ext uri="{FF2B5EF4-FFF2-40B4-BE49-F238E27FC236}">
-                <a16:creationId xmlns:a16="http://schemas.microsoft.com/office/drawing/2014/main" id="{6FC64321-E39C-4858-9A7E-4FF474CC4195}"/>
-              </a:ext>
-            </a:extLst>
-          </p:cNvPr>
-          <p:cNvGraphicFramePr>
-            <a:graphicFrameLocks noChangeAspect="1"/>
-          </p:cNvGraphicFramePr>
-          <p:nvPr>
-            <p:custDataLst>
-              <p:tags r:id="rId2"/>
-            </p:custDataLst>
-            <p:extLst>
-              <p:ext uri="{D42A27DB-BD31-4B8C-83A1-F6EECF244321}">
-                <p14:modId xmlns:p14="http://schemas.microsoft.com/office/powerpoint/2010/main" val="1619389580"/>
-              </p:ext>
-            </p:extLst>
-          </p:nvPr>
-        </p:nvGraphicFramePr>
-        <p:xfrm>
-          <a:off x="1588" y="1588"/>
-          <a:ext cx="1588" cy="1588"/>
-        </p:xfrm>
-        <a:graphic>
-          <a:graphicData uri="http://schemas.openxmlformats.org/presentationml/2006/ole">
-            <mc:AlternateContent xmlns:mc="http://schemas.openxmlformats.org/markup-compatibility/2006">
-              <mc:Choice xmlns:v="urn:schemas-microsoft-com:vml" Requires="v">
-                <p:oleObj spid="_x0000_s47109" name="think-cell Slide" r:id="rId5" imgW="573" imgH="574" progId="TCLayout.ActiveDocument.1">
-                  <p:embed/>
-                </p:oleObj>
-              </mc:Choice>
-              <mc:Fallback>
-                <p:oleObj name="think-cell Slide" r:id="rId5" imgW="573" imgH="574" progId="TCLayout.ActiveDocument.1">
-                  <p:embed/>
-                  <p:pic>
-                    <p:nvPicPr>
-                      <p:cNvPr id="6" name="Object 5" hidden="1">
-                        <a:extLst>
-                          <a:ext uri="{FF2B5EF4-FFF2-40B4-BE49-F238E27FC236}">
-                            <a16:creationId xmlns:a16="http://schemas.microsoft.com/office/drawing/2014/main" id="{6FC64321-E39C-4858-9A7E-4FF474CC4195}"/>
-                          </a:ext>
-                        </a:extLst>
-                      </p:cNvPr>
-                      <p:cNvPicPr/>
-                      <p:nvPr/>
-                    </p:nvPicPr>
-                    <p:blipFill>
-                      <a:blip r:embed="rId6"/>
-                      <a:stretch>
-                        <a:fillRect/>
-                      </a:stretch>
-                    </p:blipFill>
-                    <p:spPr>
-                      <a:xfrm>
-                        <a:off x="1588" y="1588"/>
-                        <a:ext cx="1588" cy="1588"/>
-                      </a:xfrm>
-                      <a:prstGeom prst="rect">
-                        <a:avLst/>
-                      </a:prstGeom>
-                    </p:spPr>
-                  </p:pic>
-                </p:oleObj>
-              </mc:Fallback>
-            </mc:AlternateContent>
-          </a:graphicData>
-        </a:graphic>
-      </p:graphicFrame>
-      <p:sp>
-        <p:nvSpPr>
-          <p:cNvPr id="5" name="Rectangle 4" hidden="1">
-            <a:extLst>
-              <a:ext uri="{FF2B5EF4-FFF2-40B4-BE49-F238E27FC236}">
-                <a16:creationId xmlns:a16="http://schemas.microsoft.com/office/drawing/2014/main" id="{82ABB2DD-CA82-45A9-BF5E-90C067184B8B}"/>
-              </a:ext>
-            </a:extLst>
-          </p:cNvPr>
-          <p:cNvSpPr/>
-          <p:nvPr>
-            <p:custDataLst>
-              <p:tags r:id="rId3"/>
-            </p:custDataLst>
-          </p:nvPr>
-        </p:nvSpPr>
-        <p:spPr>
-          <a:xfrm>
-            <a:off x="0" y="0"/>
-            <a:ext cx="158750" cy="158750"/>
-          </a:xfrm>
-          <a:prstGeom prst="rect">
-            <a:avLst/>
-          </a:prstGeom>
-        </p:spPr>
-        <p:style>
-          <a:lnRef idx="2">
-            <a:schemeClr val="accent1">
-              <a:shade val="50000"/>
-            </a:schemeClr>
-          </a:lnRef>
-          <a:fillRef idx="1">
-            <a:schemeClr val="accent1"/>
-          </a:fillRef>
-          <a:effectRef idx="0">
-            <a:schemeClr val="accent1"/>
-          </a:effectRef>
-          <a:fontRef idx="minor">
-            <a:schemeClr val="lt1"/>
-          </a:fontRef>
-        </p:style>
-        <p:txBody>
-          <a:bodyPr wrap="none" lIns="0" tIns="0" rIns="0" bIns="0" numCol="1" spcCol="0" rtlCol="0" anchor="ctr" anchorCtr="0">
-            <a:noAutofit/>
-          </a:bodyPr>
-          <a:lstStyle/>
-          <a:p>
-            <a:pPr algn="ctr"/>
-            <a:endParaRPr lang="en-US" sz="4400" dirty="0">
-              <a:latin typeface="Calibri Light" panose="020F0302020204030204" pitchFamily="34" charset="0"/>
-              <a:ea typeface="+mj-ea"/>
-              <a:cs typeface="+mj-cs"/>
-              <a:sym typeface="Calibri Light" panose="020F0302020204030204" pitchFamily="34" charset="0"/>
-            </a:endParaRPr>
-          </a:p>
-        </p:txBody>
-      </p:sp>
-      <p:sp>
-        <p:nvSpPr>
-          <p:cNvPr id="2" name="Title 1">
-            <a:extLst>
-              <a:ext uri="{FF2B5EF4-FFF2-40B4-BE49-F238E27FC236}">
-                <a16:creationId xmlns:a16="http://schemas.microsoft.com/office/drawing/2014/main" id="{1378C9F6-3894-4094-A61B-6E075EB05B67}"/>
-              </a:ext>
-            </a:extLst>
-          </p:cNvPr>
-          <p:cNvSpPr>
-            <a:spLocks noGrp="1"/>
-          </p:cNvSpPr>
-          <p:nvPr>
-            <p:ph type="title"/>
-          </p:nvPr>
-        </p:nvSpPr>
-        <p:spPr/>
-        <p:txBody>
-          <a:bodyPr/>
-          <a:lstStyle/>
-          <a:p>
-            <a:r>
-              <a:rPr lang="en-US" dirty="0"/>
-              <a:t>PFF can predict future Salary</a:t>
-            </a:r>
-          </a:p>
-        </p:txBody>
-      </p:sp>
-      <p:pic>
-        <p:nvPicPr>
-          <p:cNvPr id="8" name="Picture 7">
-            <a:extLst>
-              <a:ext uri="{FF2B5EF4-FFF2-40B4-BE49-F238E27FC236}">
-                <a16:creationId xmlns:a16="http://schemas.microsoft.com/office/drawing/2014/main" id="{5F3D905C-8255-47D9-8311-8E888CA38A0B}"/>
-              </a:ext>
-            </a:extLst>
-          </p:cNvPr>
-          <p:cNvPicPr>
-            <a:picLocks noChangeAspect="1"/>
-          </p:cNvPicPr>
-          <p:nvPr/>
-        </p:nvPicPr>
-        <p:blipFill>
-          <a:blip r:embed="rId7"/>
-          <a:stretch>
-            <a:fillRect/>
-          </a:stretch>
-        </p:blipFill>
-        <p:spPr>
-          <a:xfrm>
-            <a:off x="106614" y="2062045"/>
-            <a:ext cx="5989386" cy="3842840"/>
-          </a:xfrm>
-          <a:prstGeom prst="rect">
-            <a:avLst/>
-          </a:prstGeom>
-        </p:spPr>
-      </p:pic>
-      <p:pic>
-        <p:nvPicPr>
-          <p:cNvPr id="3" name="Picture 2">
-            <a:extLst>
-              <a:ext uri="{FF2B5EF4-FFF2-40B4-BE49-F238E27FC236}">
-                <a16:creationId xmlns:a16="http://schemas.microsoft.com/office/drawing/2014/main" id="{6343BF29-1ADB-4006-A7EA-645F15DB3E97}"/>
-              </a:ext>
-            </a:extLst>
-          </p:cNvPr>
-          <p:cNvPicPr>
-            <a:picLocks noChangeAspect="1"/>
-          </p:cNvPicPr>
-          <p:nvPr/>
-        </p:nvPicPr>
-        <p:blipFill>
-          <a:blip r:embed="rId8"/>
-          <a:stretch>
-            <a:fillRect/>
-          </a:stretch>
-        </p:blipFill>
-        <p:spPr>
-          <a:xfrm>
-            <a:off x="6208141" y="1867964"/>
-            <a:ext cx="5679059" cy="4036921"/>
-          </a:xfrm>
-          <a:prstGeom prst="rect">
-            <a:avLst/>
-          </a:prstGeom>
-        </p:spPr>
-      </p:pic>
-    </p:spTree>
-    <p:extLst>
-      <p:ext uri="{BB962C8B-B14F-4D97-AF65-F5344CB8AC3E}">
-        <p14:creationId xmlns:p14="http://schemas.microsoft.com/office/powerpoint/2010/main" val="4271921029"/>
+        <p14:creationId xmlns:p14="http://schemas.microsoft.com/office/powerpoint/2010/main" val="3815927224"/>
       </p:ext>
     </p:extLst>
   </p:cSld>
@@ -8679,10 +9326,10 @@
       </p:grpSpPr>
       <p:graphicFrame>
         <p:nvGraphicFramePr>
-          <p:cNvPr id="4" name="Object 3" hidden="1">
-            <a:extLst>
-              <a:ext uri="{FF2B5EF4-FFF2-40B4-BE49-F238E27FC236}">
-                <a16:creationId xmlns:a16="http://schemas.microsoft.com/office/drawing/2014/main" id="{3AE0F505-73DA-4D29-9FE1-5A8A109B30DF}"/>
+          <p:cNvPr id="6" name="Object 5" hidden="1">
+            <a:extLst>
+              <a:ext uri="{FF2B5EF4-FFF2-40B4-BE49-F238E27FC236}">
+                <a16:creationId xmlns:a16="http://schemas.microsoft.com/office/drawing/2014/main" id="{F7D07354-9D8F-4809-9E42-ED6B5443DBA8}"/>
               </a:ext>
             </a:extLst>
           </p:cNvPr>
@@ -8695,7 +9342,7 @@
             </p:custDataLst>
             <p:extLst>
               <p:ext uri="{D42A27DB-BD31-4B8C-83A1-F6EECF244321}">
-                <p14:modId xmlns:p14="http://schemas.microsoft.com/office/powerpoint/2010/main" val="3938766981"/>
+                <p14:modId xmlns:p14="http://schemas.microsoft.com/office/powerpoint/2010/main" val="956276174"/>
               </p:ext>
             </p:extLst>
           </p:nvPr>
@@ -8708,7 +9355,7 @@
           <a:graphicData uri="http://schemas.openxmlformats.org/presentationml/2006/ole">
             <mc:AlternateContent xmlns:mc="http://schemas.openxmlformats.org/markup-compatibility/2006">
               <mc:Choice xmlns:v="urn:schemas-microsoft-com:vml" Requires="v">
-                <p:oleObj spid="_x0000_s48132" name="think-cell Slide" r:id="rId5" imgW="573" imgH="574" progId="TCLayout.ActiveDocument.1">
+                <p:oleObj spid="_x0000_s41997" name="think-cell Slide" r:id="rId5" imgW="573" imgH="574" progId="TCLayout.ActiveDocument.1">
                   <p:embed/>
                 </p:oleObj>
               </mc:Choice>
@@ -8748,7 +9395,7 @@
           <p:cNvPr id="5" name="Rectangle 4" hidden="1">
             <a:extLst>
               <a:ext uri="{FF2B5EF4-FFF2-40B4-BE49-F238E27FC236}">
-                <a16:creationId xmlns:a16="http://schemas.microsoft.com/office/drawing/2014/main" id="{09827AEE-EACD-483D-8DF3-DB290BEF9A5E}"/>
+                <a16:creationId xmlns:a16="http://schemas.microsoft.com/office/drawing/2014/main" id="{3201AD30-4588-4D38-BF0D-3FC9814E9C98}"/>
               </a:ext>
             </a:extLst>
           </p:cNvPr>
@@ -8791,7 +9438,7 @@
           <a:lstStyle/>
           <a:p>
             <a:pPr algn="ctr"/>
-            <a:endParaRPr lang="en-US" sz="4400" dirty="0">
+            <a:endParaRPr lang="en-US" sz="3600" dirty="0">
               <a:latin typeface="Calibri Light" panose="020F0302020204030204" pitchFamily="34" charset="0"/>
               <a:ea typeface="+mj-ea"/>
               <a:cs typeface="+mj-cs"/>
@@ -8805,7 +9452,7 @@
           <p:cNvPr id="2" name="Title 1">
             <a:extLst>
               <a:ext uri="{FF2B5EF4-FFF2-40B4-BE49-F238E27FC236}">
-                <a16:creationId xmlns:a16="http://schemas.microsoft.com/office/drawing/2014/main" id="{9A2DB987-7A4F-4299-8DB8-D57E2F96B9FF}"/>
+                <a16:creationId xmlns:a16="http://schemas.microsoft.com/office/drawing/2014/main" id="{089373FE-BF35-49C7-AF81-346FAE442EEE}"/>
               </a:ext>
             </a:extLst>
           </p:cNvPr>
@@ -8818,22 +9465,24 @@
         </p:nvSpPr>
         <p:spPr/>
         <p:txBody>
-          <a:bodyPr/>
+          <a:bodyPr>
+            <a:normAutofit/>
+          </a:bodyPr>
           <a:lstStyle/>
           <a:p>
             <a:r>
-              <a:rPr lang="en-US" dirty="0"/>
-              <a:t>TBD: Career Performance Score by Draft Rank</a:t>
+              <a:rPr lang="en-US" sz="3600" dirty="0"/>
+              <a:t>PFF does not correlate with snaps as well as receptions other usage metrics do (opportunity)</a:t>
             </a:r>
           </a:p>
         </p:txBody>
       </p:sp>
       <p:pic>
         <p:nvPicPr>
-          <p:cNvPr id="6" name="Picture 5">
-            <a:extLst>
-              <a:ext uri="{FF2B5EF4-FFF2-40B4-BE49-F238E27FC236}">
-                <a16:creationId xmlns:a16="http://schemas.microsoft.com/office/drawing/2014/main" id="{700883C7-442B-42BB-9A4C-281F7DF3E34D}"/>
+          <p:cNvPr id="3" name="Picture 2">
+            <a:extLst>
+              <a:ext uri="{FF2B5EF4-FFF2-40B4-BE49-F238E27FC236}">
+                <a16:creationId xmlns:a16="http://schemas.microsoft.com/office/drawing/2014/main" id="{6D799B1E-30F9-44EA-AF7E-1B3C2B07DADB}"/>
               </a:ext>
             </a:extLst>
           </p:cNvPr>
@@ -8850,8 +9499,8 @@
         </p:blipFill>
         <p:spPr>
           <a:xfrm>
-            <a:off x="2139351" y="1958004"/>
-            <a:ext cx="7609802" cy="4040805"/>
+            <a:off x="7620" y="1985415"/>
+            <a:ext cx="12192000" cy="3744420"/>
           </a:xfrm>
           <a:prstGeom prst="rect">
             <a:avLst/>
@@ -8861,7 +9510,7 @@
     </p:spTree>
     <p:extLst>
       <p:ext uri="{BB962C8B-B14F-4D97-AF65-F5344CB8AC3E}">
-        <p14:creationId xmlns:p14="http://schemas.microsoft.com/office/powerpoint/2010/main" val="1248076769"/>
+        <p14:creationId xmlns:p14="http://schemas.microsoft.com/office/powerpoint/2010/main" val="1659870368"/>
       </p:ext>
     </p:extLst>
   </p:cSld>
@@ -9036,7 +9685,7 @@
 
 <file path=ppt/tags/tag34.xml><?xml version="1.0" encoding="utf-8"?>
 <p:tagLst xmlns:a="http://schemas.openxmlformats.org/drawingml/2006/main" xmlns:r="http://schemas.openxmlformats.org/officeDocument/2006/relationships" xmlns:p="http://schemas.openxmlformats.org/presentationml/2006/main">
-  <p:tag name="THINKCELLSHAPEDONOTDELETE" val="tB8jBLaKyuYSDnCPro2kOMQ"/>
+  <p:tag name="THINKCELLSHAPEDONOTDELETE" val="t_xtsdOuEr98G02_1qAwfqg"/>
 </p:tagLst>
 </file>
 
@@ -9060,7 +9709,7 @@
 
 <file path=ppt/tags/tag38.xml><?xml version="1.0" encoding="utf-8"?>
 <p:tagLst xmlns:a="http://schemas.openxmlformats.org/drawingml/2006/main" xmlns:r="http://schemas.openxmlformats.org/officeDocument/2006/relationships" xmlns:p="http://schemas.openxmlformats.org/presentationml/2006/main">
-  <p:tag name="THINKCELLSHAPEDONOTDELETE" val="tL.6a0HxqdBCxNj0reByVFA"/>
+  <p:tag name="THINKCELLSHAPEDONOTDELETE" val="tB8jBLaKyuYSDnCPro2kOMQ"/>
 </p:tagLst>
 </file>
 
@@ -9078,7 +9727,7 @@
 
 <file path=ppt/tags/tag40.xml><?xml version="1.0" encoding="utf-8"?>
 <p:tagLst xmlns:a="http://schemas.openxmlformats.org/drawingml/2006/main" xmlns:r="http://schemas.openxmlformats.org/officeDocument/2006/relationships" xmlns:p="http://schemas.openxmlformats.org/presentationml/2006/main">
-  <p:tag name="THINKCELLSHAPEDONOTDELETE" val="tL.6a0HxqdBCxNj0reByVFA"/>
+  <p:tag name="THINKCELLSHAPEDONOTDELETE" val="tuPdWhykjRN1egWQruQghiA"/>
 </p:tagLst>
 </file>
 
@@ -9090,7 +9739,7 @@
 
 <file path=ppt/tags/tag42.xml><?xml version="1.0" encoding="utf-8"?>
 <p:tagLst xmlns:a="http://schemas.openxmlformats.org/drawingml/2006/main" xmlns:r="http://schemas.openxmlformats.org/officeDocument/2006/relationships" xmlns:p="http://schemas.openxmlformats.org/presentationml/2006/main">
-  <p:tag name="THINKCELLSHAPEDONOTDELETE" val="tWKpcCC3kFYGp7KjcBIIehA"/>
+  <p:tag name="THINKCELLSHAPEDONOTDELETE" val="tSf83KanK2N4E0K_Bbtb9uQ"/>
 </p:tagLst>
 </file>
 
@@ -9102,7 +9751,7 @@
 
 <file path=ppt/tags/tag44.xml><?xml version="1.0" encoding="utf-8"?>
 <p:tagLst xmlns:a="http://schemas.openxmlformats.org/drawingml/2006/main" xmlns:r="http://schemas.openxmlformats.org/officeDocument/2006/relationships" xmlns:p="http://schemas.openxmlformats.org/presentationml/2006/main">
-  <p:tag name="THINKCELLSHAPEDONOTDELETE" val="tgR1hllvAeGcKIhzTd_I2nA"/>
+  <p:tag name="THINKCELLSHAPEDONOTDELETE" val="tL.6a0HxqdBCxNj0reByVFA"/>
 </p:tagLst>
 </file>
 
@@ -9114,7 +9763,7 @@
 
 <file path=ppt/tags/tag46.xml><?xml version="1.0" encoding="utf-8"?>
 <p:tagLst xmlns:a="http://schemas.openxmlformats.org/drawingml/2006/main" xmlns:r="http://schemas.openxmlformats.org/officeDocument/2006/relationships" xmlns:p="http://schemas.openxmlformats.org/presentationml/2006/main">
-  <p:tag name="THINKCELLSHAPEDONOTDELETE" val="tdEN5PoXNZOGFTp7F1L5zVw"/>
+  <p:tag name="THINKCELLSHAPEDONOTDELETE" val="tWKpcCC3kFYGp7KjcBIIehA"/>
 </p:tagLst>
 </file>
 
@@ -9126,7 +9775,7 @@
 
 <file path=ppt/tags/tag48.xml><?xml version="1.0" encoding="utf-8"?>
 <p:tagLst xmlns:a="http://schemas.openxmlformats.org/drawingml/2006/main" xmlns:r="http://schemas.openxmlformats.org/officeDocument/2006/relationships" xmlns:p="http://schemas.openxmlformats.org/presentationml/2006/main">
-  <p:tag name="THINKCELLSHAPEDONOTDELETE" val="t0nLOap8QhR098YSyl5zMlQ"/>
+  <p:tag name="THINKCELLSHAPEDONOTDELETE" val="tgR1hllvAeGcKIhzTd_I2nA"/>
 </p:tagLst>
 </file>
 
@@ -9144,7 +9793,7 @@
 
 <file path=ppt/tags/tag50.xml><?xml version="1.0" encoding="utf-8"?>
 <p:tagLst xmlns:a="http://schemas.openxmlformats.org/drawingml/2006/main" xmlns:r="http://schemas.openxmlformats.org/officeDocument/2006/relationships" xmlns:p="http://schemas.openxmlformats.org/presentationml/2006/main">
-  <p:tag name="THINKCELLSHAPEDONOTDELETE" val="tLYAyFBTA.xWKiwH3tHmi7A"/>
+  <p:tag name="THINKCELLSHAPEDONOTDELETE" val="tdEN5PoXNZOGFTp7F1L5zVw"/>
 </p:tagLst>
 </file>
 
@@ -9156,7 +9805,7 @@
 
 <file path=ppt/tags/tag52.xml><?xml version="1.0" encoding="utf-8"?>
 <p:tagLst xmlns:a="http://schemas.openxmlformats.org/drawingml/2006/main" xmlns:r="http://schemas.openxmlformats.org/officeDocument/2006/relationships" xmlns:p="http://schemas.openxmlformats.org/presentationml/2006/main">
-  <p:tag name="THINKCELLSHAPEDONOTDELETE" val="tSf83KanK2N4E0K_Bbtb9uQ"/>
+  <p:tag name="THINKCELLSHAPEDONOTDELETE" val="t0nLOap8QhR098YSyl5zMlQ"/>
 </p:tagLst>
 </file>
 
@@ -9181,6 +9830,18 @@
 <file path=ppt/tags/tag56.xml><?xml version="1.0" encoding="utf-8"?>
 <p:tagLst xmlns:a="http://schemas.openxmlformats.org/drawingml/2006/main" xmlns:r="http://schemas.openxmlformats.org/officeDocument/2006/relationships" xmlns:p="http://schemas.openxmlformats.org/presentationml/2006/main">
   <p:tag name="THINKCELLSHAPEDONOTDELETE" val="t7eszlP3hZkslCMrn1ZXEJA"/>
+</p:tagLst>
+</file>
+
+<file path=ppt/tags/tag57.xml><?xml version="1.0" encoding="utf-8"?>
+<p:tagLst xmlns:a="http://schemas.openxmlformats.org/drawingml/2006/main" xmlns:r="http://schemas.openxmlformats.org/officeDocument/2006/relationships" xmlns:p="http://schemas.openxmlformats.org/presentationml/2006/main">
+  <p:tag name="THINKCELLSHAPEDONOTDELETE" val="thinkcellActiveDocDoNotDelete"/>
+</p:tagLst>
+</file>
+
+<file path=ppt/tags/tag58.xml><?xml version="1.0" encoding="utf-8"?>
+<p:tagLst xmlns:a="http://schemas.openxmlformats.org/drawingml/2006/main" xmlns:r="http://schemas.openxmlformats.org/officeDocument/2006/relationships" xmlns:p="http://schemas.openxmlformats.org/presentationml/2006/main">
+  <p:tag name="THINKCELLSHAPEDONOTDELETE" val="tLYAyFBTA.xWKiwH3tHmi7A"/>
 </p:tagLst>
 </file>
 
